--- a/20211001_policy.pptx
+++ b/20211001_policy.pptx
@@ -5,7 +5,7 @@
     <p:sldMasterId id="2147483648" r:id="rId1"/>
   </p:sldMasterIdLst>
   <p:notesMasterIdLst>
-    <p:notesMasterId r:id="rId13"/>
+    <p:notesMasterId r:id="rId15"/>
   </p:notesMasterIdLst>
   <p:sldIdLst>
     <p:sldId id="256" r:id="rId2"/>
@@ -16,9 +16,11 @@
     <p:sldId id="266" r:id="rId7"/>
     <p:sldId id="268" r:id="rId8"/>
     <p:sldId id="270" r:id="rId9"/>
-    <p:sldId id="271" r:id="rId10"/>
-    <p:sldId id="272" r:id="rId11"/>
-    <p:sldId id="267" r:id="rId12"/>
+    <p:sldId id="274" r:id="rId10"/>
+    <p:sldId id="271" r:id="rId11"/>
+    <p:sldId id="273" r:id="rId12"/>
+    <p:sldId id="272" r:id="rId13"/>
+    <p:sldId id="267" r:id="rId14"/>
   </p:sldIdLst>
   <p:sldSz cx="12192000" cy="6858000"/>
   <p:notesSz cx="6858000" cy="9144000"/>
@@ -207,7 +209,7 @@
           <a:p>
             <a:fld id="{0AA2E91A-0C37-4D3A-B4F6-D34DE0FC6534}" type="datetimeFigureOut">
               <a:rPr lang="en-GB" smtClean="0"/>
-              <a:t>02/10/2021</a:t>
+              <a:t>05/10/2021</a:t>
             </a:fld>
             <a:endParaRPr lang="en-GB"/>
           </a:p>
@@ -559,6 +561,174 @@
 </p:notes>
 </file>
 
+<file path=ppt/notesSlides/notesSlide10.xml><?xml version="1.0" encoding="utf-8"?>
+<p:notes xmlns:a="http://schemas.openxmlformats.org/drawingml/2006/main" xmlns:r="http://schemas.openxmlformats.org/officeDocument/2006/relationships" xmlns:p="http://schemas.openxmlformats.org/presentationml/2006/main">
+  <p:cSld>
+    <p:spTree>
+      <p:nvGrpSpPr>
+        <p:cNvPr id="1" name=""/>
+        <p:cNvGrpSpPr/>
+        <p:nvPr/>
+      </p:nvGrpSpPr>
+      <p:grpSpPr>
+        <a:xfrm>
+          <a:off x="0" y="0"/>
+          <a:ext cx="0" cy="0"/>
+          <a:chOff x="0" y="0"/>
+          <a:chExt cx="0" cy="0"/>
+        </a:xfrm>
+      </p:grpSpPr>
+      <p:sp>
+        <p:nvSpPr>
+          <p:cNvPr id="2" name="Slide Image Placeholder 1"/>
+          <p:cNvSpPr>
+            <a:spLocks noGrp="1" noRot="1" noChangeAspect="1"/>
+          </p:cNvSpPr>
+          <p:nvPr>
+            <p:ph type="sldImg"/>
+          </p:nvPr>
+        </p:nvSpPr>
+        <p:spPr/>
+      </p:sp>
+      <p:sp>
+        <p:nvSpPr>
+          <p:cNvPr id="3" name="Notes Placeholder 2"/>
+          <p:cNvSpPr>
+            <a:spLocks noGrp="1"/>
+          </p:cNvSpPr>
+          <p:nvPr>
+            <p:ph type="body" idx="1"/>
+          </p:nvPr>
+        </p:nvSpPr>
+        <p:spPr/>
+        <p:txBody>
+          <a:bodyPr/>
+          <a:lstStyle/>
+          <a:p>
+            <a:endParaRPr lang="en-GB" dirty="0"/>
+          </a:p>
+        </p:txBody>
+      </p:sp>
+      <p:sp>
+        <p:nvSpPr>
+          <p:cNvPr id="4" name="Slide Number Placeholder 3"/>
+          <p:cNvSpPr>
+            <a:spLocks noGrp="1"/>
+          </p:cNvSpPr>
+          <p:nvPr>
+            <p:ph type="sldNum" sz="quarter" idx="5"/>
+          </p:nvPr>
+        </p:nvSpPr>
+        <p:spPr/>
+        <p:txBody>
+          <a:bodyPr/>
+          <a:lstStyle/>
+          <a:p>
+            <a:fld id="{B7627BBD-4522-4786-B77C-A329824D27AB}" type="slidenum">
+              <a:rPr lang="en-GB" smtClean="0"/>
+              <a:t>11</a:t>
+            </a:fld>
+            <a:endParaRPr lang="en-GB"/>
+          </a:p>
+        </p:txBody>
+      </p:sp>
+    </p:spTree>
+    <p:extLst>
+      <p:ext uri="{BB962C8B-B14F-4D97-AF65-F5344CB8AC3E}">
+        <p14:creationId xmlns:p14="http://schemas.microsoft.com/office/powerpoint/2010/main" val="1860056207"/>
+      </p:ext>
+    </p:extLst>
+  </p:cSld>
+  <p:clrMapOvr>
+    <a:masterClrMapping/>
+  </p:clrMapOvr>
+</p:notes>
+</file>
+
+<file path=ppt/notesSlides/notesSlide11.xml><?xml version="1.0" encoding="utf-8"?>
+<p:notes xmlns:a="http://schemas.openxmlformats.org/drawingml/2006/main" xmlns:r="http://schemas.openxmlformats.org/officeDocument/2006/relationships" xmlns:p="http://schemas.openxmlformats.org/presentationml/2006/main">
+  <p:cSld>
+    <p:spTree>
+      <p:nvGrpSpPr>
+        <p:cNvPr id="1" name=""/>
+        <p:cNvGrpSpPr/>
+        <p:nvPr/>
+      </p:nvGrpSpPr>
+      <p:grpSpPr>
+        <a:xfrm>
+          <a:off x="0" y="0"/>
+          <a:ext cx="0" cy="0"/>
+          <a:chOff x="0" y="0"/>
+          <a:chExt cx="0" cy="0"/>
+        </a:xfrm>
+      </p:grpSpPr>
+      <p:sp>
+        <p:nvSpPr>
+          <p:cNvPr id="2" name="Slide Image Placeholder 1"/>
+          <p:cNvSpPr>
+            <a:spLocks noGrp="1" noRot="1" noChangeAspect="1"/>
+          </p:cNvSpPr>
+          <p:nvPr>
+            <p:ph type="sldImg"/>
+          </p:nvPr>
+        </p:nvSpPr>
+        <p:spPr/>
+      </p:sp>
+      <p:sp>
+        <p:nvSpPr>
+          <p:cNvPr id="3" name="Notes Placeholder 2"/>
+          <p:cNvSpPr>
+            <a:spLocks noGrp="1"/>
+          </p:cNvSpPr>
+          <p:nvPr>
+            <p:ph type="body" idx="1"/>
+          </p:nvPr>
+        </p:nvSpPr>
+        <p:spPr/>
+        <p:txBody>
+          <a:bodyPr/>
+          <a:lstStyle/>
+          <a:p>
+            <a:endParaRPr lang="en-GB" dirty="0"/>
+          </a:p>
+        </p:txBody>
+      </p:sp>
+      <p:sp>
+        <p:nvSpPr>
+          <p:cNvPr id="4" name="Slide Number Placeholder 3"/>
+          <p:cNvSpPr>
+            <a:spLocks noGrp="1"/>
+          </p:cNvSpPr>
+          <p:nvPr>
+            <p:ph type="sldNum" sz="quarter" idx="5"/>
+          </p:nvPr>
+        </p:nvSpPr>
+        <p:spPr/>
+        <p:txBody>
+          <a:bodyPr/>
+          <a:lstStyle/>
+          <a:p>
+            <a:fld id="{B7627BBD-4522-4786-B77C-A329824D27AB}" type="slidenum">
+              <a:rPr lang="en-GB" smtClean="0"/>
+              <a:t>12</a:t>
+            </a:fld>
+            <a:endParaRPr lang="en-GB"/>
+          </a:p>
+        </p:txBody>
+      </p:sp>
+    </p:spTree>
+    <p:extLst>
+      <p:ext uri="{BB962C8B-B14F-4D97-AF65-F5344CB8AC3E}">
+        <p14:creationId xmlns:p14="http://schemas.microsoft.com/office/powerpoint/2010/main" val="601935935"/>
+      </p:ext>
+    </p:extLst>
+  </p:cSld>
+  <p:clrMapOvr>
+    <a:masterClrMapping/>
+  </p:clrMapOvr>
+</p:notes>
+</file>
+
 <file path=ppt/notesSlides/notesSlide2.xml><?xml version="1.0" encoding="utf-8"?>
 <p:notes xmlns:a="http://schemas.openxmlformats.org/drawingml/2006/main" xmlns:r="http://schemas.openxmlformats.org/officeDocument/2006/relationships" xmlns:p="http://schemas.openxmlformats.org/presentationml/2006/main">
   <p:cSld>
@@ -1137,7 +1307,7 @@
     </p:spTree>
     <p:extLst>
       <p:ext uri="{BB962C8B-B14F-4D97-AF65-F5344CB8AC3E}">
-        <p14:creationId xmlns:p14="http://schemas.microsoft.com/office/powerpoint/2010/main" val="1868094076"/>
+        <p14:creationId xmlns:p14="http://schemas.microsoft.com/office/powerpoint/2010/main" val="1784377483"/>
       </p:ext>
     </p:extLst>
   </p:cSld>
@@ -1221,7 +1391,7 @@
     </p:spTree>
     <p:extLst>
       <p:ext uri="{BB962C8B-B14F-4D97-AF65-F5344CB8AC3E}">
-        <p14:creationId xmlns:p14="http://schemas.microsoft.com/office/powerpoint/2010/main" val="601935935"/>
+        <p14:creationId xmlns:p14="http://schemas.microsoft.com/office/powerpoint/2010/main" val="1868094076"/>
       </p:ext>
     </p:extLst>
   </p:cSld>
@@ -1380,7 +1550,7 @@
           <a:p>
             <a:fld id="{6E8A8444-2286-47FE-A951-D1B0EE2F4286}" type="datetimeFigureOut">
               <a:rPr lang="en-GB" smtClean="0"/>
-              <a:t>02/10/2021</a:t>
+              <a:t>05/10/2021</a:t>
             </a:fld>
             <a:endParaRPr lang="en-GB"/>
           </a:p>
@@ -1580,7 +1750,7 @@
           <a:p>
             <a:fld id="{6E8A8444-2286-47FE-A951-D1B0EE2F4286}" type="datetimeFigureOut">
               <a:rPr lang="en-GB" smtClean="0"/>
-              <a:t>02/10/2021</a:t>
+              <a:t>05/10/2021</a:t>
             </a:fld>
             <a:endParaRPr lang="en-GB"/>
           </a:p>
@@ -1790,7 +1960,7 @@
           <a:p>
             <a:fld id="{6E8A8444-2286-47FE-A951-D1B0EE2F4286}" type="datetimeFigureOut">
               <a:rPr lang="en-GB" smtClean="0"/>
-              <a:t>02/10/2021</a:t>
+              <a:t>05/10/2021</a:t>
             </a:fld>
             <a:endParaRPr lang="en-GB"/>
           </a:p>
@@ -1990,7 +2160,7 @@
           <a:p>
             <a:fld id="{6E8A8444-2286-47FE-A951-D1B0EE2F4286}" type="datetimeFigureOut">
               <a:rPr lang="en-GB" smtClean="0"/>
-              <a:t>02/10/2021</a:t>
+              <a:t>05/10/2021</a:t>
             </a:fld>
             <a:endParaRPr lang="en-GB"/>
           </a:p>
@@ -2266,7 +2436,7 @@
           <a:p>
             <a:fld id="{6E8A8444-2286-47FE-A951-D1B0EE2F4286}" type="datetimeFigureOut">
               <a:rPr lang="en-GB" smtClean="0"/>
-              <a:t>02/10/2021</a:t>
+              <a:t>05/10/2021</a:t>
             </a:fld>
             <a:endParaRPr lang="en-GB"/>
           </a:p>
@@ -2534,7 +2704,7 @@
           <a:p>
             <a:fld id="{6E8A8444-2286-47FE-A951-D1B0EE2F4286}" type="datetimeFigureOut">
               <a:rPr lang="en-GB" smtClean="0"/>
-              <a:t>02/10/2021</a:t>
+              <a:t>05/10/2021</a:t>
             </a:fld>
             <a:endParaRPr lang="en-GB"/>
           </a:p>
@@ -2949,7 +3119,7 @@
           <a:p>
             <a:fld id="{6E8A8444-2286-47FE-A951-D1B0EE2F4286}" type="datetimeFigureOut">
               <a:rPr lang="en-GB" smtClean="0"/>
-              <a:t>02/10/2021</a:t>
+              <a:t>05/10/2021</a:t>
             </a:fld>
             <a:endParaRPr lang="en-GB"/>
           </a:p>
@@ -3091,7 +3261,7 @@
           <a:p>
             <a:fld id="{6E8A8444-2286-47FE-A951-D1B0EE2F4286}" type="datetimeFigureOut">
               <a:rPr lang="en-GB" smtClean="0"/>
-              <a:t>02/10/2021</a:t>
+              <a:t>05/10/2021</a:t>
             </a:fld>
             <a:endParaRPr lang="en-GB"/>
           </a:p>
@@ -3204,7 +3374,7 @@
           <a:p>
             <a:fld id="{6E8A8444-2286-47FE-A951-D1B0EE2F4286}" type="datetimeFigureOut">
               <a:rPr lang="en-GB" smtClean="0"/>
-              <a:t>02/10/2021</a:t>
+              <a:t>05/10/2021</a:t>
             </a:fld>
             <a:endParaRPr lang="en-GB"/>
           </a:p>
@@ -3517,7 +3687,7 @@
           <a:p>
             <a:fld id="{6E8A8444-2286-47FE-A951-D1B0EE2F4286}" type="datetimeFigureOut">
               <a:rPr lang="en-GB" smtClean="0"/>
-              <a:t>02/10/2021</a:t>
+              <a:t>05/10/2021</a:t>
             </a:fld>
             <a:endParaRPr lang="en-GB"/>
           </a:p>
@@ -3806,7 +3976,7 @@
           <a:p>
             <a:fld id="{6E8A8444-2286-47FE-A951-D1B0EE2F4286}" type="datetimeFigureOut">
               <a:rPr lang="en-GB" smtClean="0"/>
-              <a:t>02/10/2021</a:t>
+              <a:t>05/10/2021</a:t>
             </a:fld>
             <a:endParaRPr lang="en-GB"/>
           </a:p>
@@ -4049,7 +4219,7 @@
           <a:p>
             <a:fld id="{6E8A8444-2286-47FE-A951-D1B0EE2F4286}" type="datetimeFigureOut">
               <a:rPr lang="en-GB" smtClean="0"/>
-              <a:t>02/10/2021</a:t>
+              <a:t>05/10/2021</a:t>
             </a:fld>
             <a:endParaRPr lang="en-GB"/>
           </a:p>
@@ -4568,6 +4738,2221 @@
           <a:chExt cx="0" cy="0"/>
         </a:xfrm>
       </p:grpSpPr>
+      <p:pic>
+        <p:nvPicPr>
+          <p:cNvPr id="6" name="Picture 5">
+            <a:extLst>
+              <a:ext uri="{FF2B5EF4-FFF2-40B4-BE49-F238E27FC236}">
+                <a16:creationId xmlns:a16="http://schemas.microsoft.com/office/drawing/2014/main" id="{2C4475E3-FE1F-44F1-A0EF-DFD0F7321AE0}"/>
+              </a:ext>
+            </a:extLst>
+          </p:cNvPr>
+          <p:cNvPicPr>
+            <a:picLocks noChangeAspect="1"/>
+          </p:cNvPicPr>
+          <p:nvPr/>
+        </p:nvPicPr>
+        <p:blipFill>
+          <a:blip r:embed="rId3"/>
+          <a:stretch>
+            <a:fillRect/>
+          </a:stretch>
+        </p:blipFill>
+        <p:spPr>
+          <a:xfrm>
+            <a:off x="1204788" y="2965448"/>
+            <a:ext cx="3864648" cy="3892552"/>
+          </a:xfrm>
+          <a:prstGeom prst="rect">
+            <a:avLst/>
+          </a:prstGeom>
+        </p:spPr>
+      </p:pic>
+      <p:sp>
+        <p:nvSpPr>
+          <p:cNvPr id="2" name="Title 1">
+            <a:extLst>
+              <a:ext uri="{FF2B5EF4-FFF2-40B4-BE49-F238E27FC236}">
+                <a16:creationId xmlns:a16="http://schemas.microsoft.com/office/drawing/2014/main" id="{EC16B688-B663-4C1E-B08A-6E20A707692C}"/>
+              </a:ext>
+            </a:extLst>
+          </p:cNvPr>
+          <p:cNvSpPr>
+            <a:spLocks noGrp="1"/>
+          </p:cNvSpPr>
+          <p:nvPr>
+            <p:ph type="title"/>
+          </p:nvPr>
+        </p:nvSpPr>
+        <p:spPr/>
+        <p:txBody>
+          <a:bodyPr/>
+          <a:lstStyle/>
+          <a:p>
+            <a:r>
+              <a:rPr lang="en-GB" dirty="0"/>
+              <a:t>Analysis – Random Effects</a:t>
+            </a:r>
+          </a:p>
+        </p:txBody>
+      </p:sp>
+      <mc:AlternateContent xmlns:mc="http://schemas.openxmlformats.org/markup-compatibility/2006">
+        <mc:Choice xmlns:a14="http://schemas.microsoft.com/office/drawing/2010/main" Requires="a14">
+          <p:sp>
+            <p:nvSpPr>
+              <p:cNvPr id="3" name="Content Placeholder 2">
+                <a:extLst>
+                  <a:ext uri="{FF2B5EF4-FFF2-40B4-BE49-F238E27FC236}">
+                    <a16:creationId xmlns:a16="http://schemas.microsoft.com/office/drawing/2014/main" id="{06DFED4D-96F1-41C7-BB6A-724DB72156A7}"/>
+                  </a:ext>
+                </a:extLst>
+              </p:cNvPr>
+              <p:cNvSpPr>
+                <a:spLocks noGrp="1"/>
+              </p:cNvSpPr>
+              <p:nvPr>
+                <p:ph idx="1"/>
+              </p:nvPr>
+            </p:nvSpPr>
+            <p:spPr>
+              <a:xfrm>
+                <a:off x="838199" y="1476218"/>
+                <a:ext cx="10853691" cy="1325563"/>
+              </a:xfrm>
+            </p:spPr>
+            <p:txBody>
+              <a:bodyPr>
+                <a:noAutofit/>
+              </a:bodyPr>
+              <a:lstStyle/>
+              <a:p>
+                <a:pPr marL="0" indent="0">
+                  <a:buNone/>
+                </a:pPr>
+                <a:r>
+                  <a:rPr lang="en-GB" sz="1600" dirty="0"/>
+                  <a:t>The fourth methodology tested is the random effect applied to panel data. This methodology uses a partial </a:t>
+                </a:r>
+                <a:r>
+                  <a:rPr lang="en-GB" sz="1600" i="1" dirty="0"/>
+                  <a:t>demeaning </a:t>
+                </a:r>
+                <a:r>
+                  <a:rPr lang="en-GB" sz="1600" dirty="0"/>
+                  <a:t>procedure to suppress the effect of the term </a:t>
+                </a:r>
+                <a14:m>
+                  <m:oMath xmlns:m="http://schemas.openxmlformats.org/officeDocument/2006/math">
+                    <m:sSub>
+                      <m:sSubPr>
+                        <m:ctrlPr>
+                          <a:rPr lang="en-GB" sz="1600" b="0" i="1" smtClean="0">
+                            <a:latin typeface="Cambria Math" panose="02040503050406030204" pitchFamily="18" charset="0"/>
+                          </a:rPr>
+                        </m:ctrlPr>
+                      </m:sSubPr>
+                      <m:e>
+                        <m:r>
+                          <a:rPr lang="en-GB" sz="1600" b="0" i="1" smtClean="0">
+                            <a:latin typeface="Cambria Math" panose="02040503050406030204" pitchFamily="18" charset="0"/>
+                          </a:rPr>
+                          <m:t>𝛼</m:t>
+                        </m:r>
+                      </m:e>
+                      <m:sub>
+                        <m:r>
+                          <a:rPr lang="en-GB" sz="1600" b="0" i="1" smtClean="0">
+                            <a:latin typeface="Cambria Math" panose="02040503050406030204" pitchFamily="18" charset="0"/>
+                          </a:rPr>
+                          <m:t>𝑖</m:t>
+                        </m:r>
+                      </m:sub>
+                    </m:sSub>
+                  </m:oMath>
+                </a14:m>
+                <a:r>
+                  <a:rPr lang="en-GB" sz="1600" dirty="0"/>
+                  <a:t>; to perform this partial demeaning it </a:t>
+                </a:r>
+                <a:r>
+                  <a:rPr lang="en-GB" sz="1600" b="1" dirty="0"/>
+                  <a:t>assumes that </a:t>
+                </a:r>
+                <a14:m>
+                  <m:oMath xmlns:m="http://schemas.openxmlformats.org/officeDocument/2006/math">
+                    <m:sSub>
+                      <m:sSubPr>
+                        <m:ctrlPr>
+                          <a:rPr lang="en-GB" sz="1600" b="1" i="1" dirty="0" smtClean="0">
+                            <a:latin typeface="Cambria Math" panose="02040503050406030204" pitchFamily="18" charset="0"/>
+                          </a:rPr>
+                        </m:ctrlPr>
+                      </m:sSubPr>
+                      <m:e>
+                        <m:r>
+                          <a:rPr lang="en-GB" sz="1600" b="1" i="1" dirty="0" smtClean="0">
+                            <a:latin typeface="Cambria Math" panose="02040503050406030204" pitchFamily="18" charset="0"/>
+                          </a:rPr>
+                          <m:t>𝜶</m:t>
+                        </m:r>
+                      </m:e>
+                      <m:sub>
+                        <m:r>
+                          <a:rPr lang="en-GB" sz="1600" b="1" i="1" dirty="0" smtClean="0">
+                            <a:latin typeface="Cambria Math" panose="02040503050406030204" pitchFamily="18" charset="0"/>
+                          </a:rPr>
+                          <m:t>𝒊</m:t>
+                        </m:r>
+                      </m:sub>
+                    </m:sSub>
+                  </m:oMath>
+                </a14:m>
+                <a:r>
+                  <a:rPr lang="en-GB" sz="1600" b="1" dirty="0"/>
+                  <a:t> is not correlated with any regressors or outcome variable</a:t>
+                </a:r>
+                <a:r>
+                  <a:rPr lang="en-GB" sz="1600" dirty="0"/>
+                  <a:t>.</a:t>
+                </a:r>
+              </a:p>
+              <a:p>
+                <a:pPr marL="0" indent="0">
+                  <a:buNone/>
+                </a:pPr>
+                <a:endParaRPr lang="en-GB" sz="1600" dirty="0"/>
+              </a:p>
+              <a:p>
+                <a:pPr marL="0" indent="0">
+                  <a:buNone/>
+                </a:pPr>
+                <a14:m>
+                  <m:oMathPara xmlns:m="http://schemas.openxmlformats.org/officeDocument/2006/math">
+                    <m:oMathParaPr>
+                      <m:jc m:val="left"/>
+                    </m:oMathParaPr>
+                    <m:oMath xmlns:m="http://schemas.openxmlformats.org/officeDocument/2006/math">
+                      <m:r>
+                        <a:rPr lang="en-GB" sz="1600" b="0" i="1" smtClean="0">
+                          <a:latin typeface="Cambria Math" panose="02040503050406030204" pitchFamily="18" charset="0"/>
+                        </a:rPr>
+                        <m:t>𝑚𝑖𝑙</m:t>
+                      </m:r>
+                      <m:sSub>
+                        <m:sSubPr>
+                          <m:ctrlPr>
+                            <a:rPr lang="en-GB" sz="1600" b="0" i="1" smtClean="0">
+                              <a:latin typeface="Cambria Math" panose="02040503050406030204" pitchFamily="18" charset="0"/>
+                            </a:rPr>
+                          </m:ctrlPr>
+                        </m:sSubPr>
+                        <m:e>
+                          <m:r>
+                            <a:rPr lang="en-GB" sz="1600" b="0" i="1" smtClean="0">
+                              <a:latin typeface="Cambria Math" panose="02040503050406030204" pitchFamily="18" charset="0"/>
+                            </a:rPr>
+                            <m:t>𝑘</m:t>
+                          </m:r>
+                        </m:e>
+                        <m:sub>
+                          <m:r>
+                            <a:rPr lang="en-GB" sz="1600" b="0" i="1" smtClean="0">
+                              <a:latin typeface="Cambria Math" panose="02040503050406030204" pitchFamily="18" charset="0"/>
+                            </a:rPr>
+                            <m:t>𝑖𝑡</m:t>
+                          </m:r>
+                        </m:sub>
+                      </m:sSub>
+                      <m:r>
+                        <a:rPr lang="en-GB" sz="1600" b="0" i="1" smtClean="0">
+                          <a:latin typeface="Cambria Math" panose="02040503050406030204" pitchFamily="18" charset="0"/>
+                        </a:rPr>
+                        <m:t>=</m:t>
+                      </m:r>
+                      <m:sSub>
+                        <m:sSubPr>
+                          <m:ctrlPr>
+                            <a:rPr lang="en-GB" sz="1600" b="0" i="1" smtClean="0">
+                              <a:latin typeface="Cambria Math" panose="02040503050406030204" pitchFamily="18" charset="0"/>
+                            </a:rPr>
+                          </m:ctrlPr>
+                        </m:sSubPr>
+                        <m:e>
+                          <m:r>
+                            <a:rPr lang="en-GB" sz="1600" b="0" i="1" smtClean="0">
+                              <a:latin typeface="Cambria Math" panose="02040503050406030204" pitchFamily="18" charset="0"/>
+                            </a:rPr>
+                            <m:t>𝛽</m:t>
+                          </m:r>
+                        </m:e>
+                        <m:sub>
+                          <m:r>
+                            <a:rPr lang="en-GB" sz="1600" b="0" i="1" smtClean="0">
+                              <a:latin typeface="Cambria Math" panose="02040503050406030204" pitchFamily="18" charset="0"/>
+                            </a:rPr>
+                            <m:t>𝐶𝑂𝑊𝑆</m:t>
+                          </m:r>
+                          <m:r>
+                            <a:rPr lang="en-GB" sz="1600" b="0" i="1" smtClean="0">
+                              <a:latin typeface="Cambria Math" panose="02040503050406030204" pitchFamily="18" charset="0"/>
+                            </a:rPr>
+                            <m:t>−</m:t>
+                          </m:r>
+                          <m:r>
+                            <a:rPr lang="en-GB" sz="1600" b="0" i="1" smtClean="0">
+                              <a:latin typeface="Cambria Math" panose="02040503050406030204" pitchFamily="18" charset="0"/>
+                            </a:rPr>
+                            <m:t>𝑖𝑡</m:t>
+                          </m:r>
+                        </m:sub>
+                      </m:sSub>
+                      <m:r>
+                        <a:rPr lang="en-GB" sz="1600" b="0" i="1" smtClean="0">
+                          <a:latin typeface="Cambria Math" panose="02040503050406030204" pitchFamily="18" charset="0"/>
+                        </a:rPr>
+                        <m:t>⋅</m:t>
+                      </m:r>
+                      <m:r>
+                        <a:rPr lang="en-GB" sz="1600" b="0" i="1" smtClean="0">
+                          <a:latin typeface="Cambria Math" panose="02040503050406030204" pitchFamily="18" charset="0"/>
+                        </a:rPr>
+                        <m:t>𝐶𝑂𝑊</m:t>
+                      </m:r>
+                      <m:sSub>
+                        <m:sSubPr>
+                          <m:ctrlPr>
+                            <a:rPr lang="en-GB" sz="1600" b="0" i="1" smtClean="0">
+                              <a:latin typeface="Cambria Math" panose="02040503050406030204" pitchFamily="18" charset="0"/>
+                            </a:rPr>
+                          </m:ctrlPr>
+                        </m:sSubPr>
+                        <m:e>
+                          <m:r>
+                            <a:rPr lang="en-GB" sz="1600" b="0" i="1" smtClean="0">
+                              <a:latin typeface="Cambria Math" panose="02040503050406030204" pitchFamily="18" charset="0"/>
+                            </a:rPr>
+                            <m:t>𝑆</m:t>
+                          </m:r>
+                        </m:e>
+                        <m:sub>
+                          <m:r>
+                            <a:rPr lang="en-GB" sz="1600" b="0" i="1" smtClean="0">
+                              <a:latin typeface="Cambria Math" panose="02040503050406030204" pitchFamily="18" charset="0"/>
+                            </a:rPr>
+                            <m:t>𝑖𝑡</m:t>
+                          </m:r>
+                        </m:sub>
+                      </m:sSub>
+                      <m:r>
+                        <a:rPr lang="en-GB" sz="1600" b="0" i="1" smtClean="0">
+                          <a:latin typeface="Cambria Math" panose="02040503050406030204" pitchFamily="18" charset="0"/>
+                        </a:rPr>
+                        <m:t>+</m:t>
+                      </m:r>
+                      <m:sSub>
+                        <m:sSubPr>
+                          <m:ctrlPr>
+                            <a:rPr lang="en-GB" sz="1600" i="1">
+                              <a:latin typeface="Cambria Math" panose="02040503050406030204" pitchFamily="18" charset="0"/>
+                            </a:rPr>
+                          </m:ctrlPr>
+                        </m:sSubPr>
+                        <m:e>
+                          <m:r>
+                            <a:rPr lang="en-GB" sz="1600" i="1">
+                              <a:latin typeface="Cambria Math" panose="02040503050406030204" pitchFamily="18" charset="0"/>
+                            </a:rPr>
+                            <m:t>𝛽</m:t>
+                          </m:r>
+                        </m:e>
+                        <m:sub>
+                          <m:r>
+                            <a:rPr lang="en-GB" sz="1600" b="0" i="1" smtClean="0">
+                              <a:latin typeface="Cambria Math" panose="02040503050406030204" pitchFamily="18" charset="0"/>
+                            </a:rPr>
+                            <m:t>𝐿𝐴𝑁𝐷</m:t>
+                          </m:r>
+                          <m:r>
+                            <a:rPr lang="en-GB" sz="1600" b="0" i="1" smtClean="0">
+                              <a:latin typeface="Cambria Math" panose="02040503050406030204" pitchFamily="18" charset="0"/>
+                            </a:rPr>
+                            <m:t>−</m:t>
+                          </m:r>
+                          <m:r>
+                            <a:rPr lang="en-GB" sz="1600" b="0" i="1" smtClean="0">
+                              <a:latin typeface="Cambria Math" panose="02040503050406030204" pitchFamily="18" charset="0"/>
+                            </a:rPr>
+                            <m:t>𝑖𝑡</m:t>
+                          </m:r>
+                        </m:sub>
+                      </m:sSub>
+                      <m:r>
+                        <a:rPr lang="en-GB" sz="1600" i="1">
+                          <a:latin typeface="Cambria Math" panose="02040503050406030204" pitchFamily="18" charset="0"/>
+                        </a:rPr>
+                        <m:t>⋅</m:t>
+                      </m:r>
+                      <m:r>
+                        <a:rPr lang="en-GB" sz="1600" b="0" i="1" smtClean="0">
+                          <a:latin typeface="Cambria Math" panose="02040503050406030204" pitchFamily="18" charset="0"/>
+                        </a:rPr>
+                        <m:t>𝐿𝐴𝑁</m:t>
+                      </m:r>
+                      <m:sSub>
+                        <m:sSubPr>
+                          <m:ctrlPr>
+                            <a:rPr lang="en-GB" sz="1600" b="0" i="1" smtClean="0">
+                              <a:latin typeface="Cambria Math" panose="02040503050406030204" pitchFamily="18" charset="0"/>
+                            </a:rPr>
+                          </m:ctrlPr>
+                        </m:sSubPr>
+                        <m:e>
+                          <m:r>
+                            <a:rPr lang="en-GB" sz="1600" b="0" i="1" smtClean="0">
+                              <a:latin typeface="Cambria Math" panose="02040503050406030204" pitchFamily="18" charset="0"/>
+                            </a:rPr>
+                            <m:t>𝐷</m:t>
+                          </m:r>
+                        </m:e>
+                        <m:sub>
+                          <m:r>
+                            <a:rPr lang="en-GB" sz="1600" b="0" i="1" smtClean="0">
+                              <a:latin typeface="Cambria Math" panose="02040503050406030204" pitchFamily="18" charset="0"/>
+                            </a:rPr>
+                            <m:t>𝑖𝑡</m:t>
+                          </m:r>
+                        </m:sub>
+                      </m:sSub>
+                      <m:r>
+                        <a:rPr lang="en-GB" sz="1600" b="0" i="1" smtClean="0">
+                          <a:latin typeface="Cambria Math" panose="02040503050406030204" pitchFamily="18" charset="0"/>
+                        </a:rPr>
+                        <m:t>+</m:t>
+                      </m:r>
+                      <m:sSub>
+                        <m:sSubPr>
+                          <m:ctrlPr>
+                            <a:rPr lang="en-GB" sz="1600" i="1">
+                              <a:latin typeface="Cambria Math" panose="02040503050406030204" pitchFamily="18" charset="0"/>
+                            </a:rPr>
+                          </m:ctrlPr>
+                        </m:sSubPr>
+                        <m:e>
+                          <m:r>
+                            <a:rPr lang="en-GB" sz="1600" i="1">
+                              <a:latin typeface="Cambria Math" panose="02040503050406030204" pitchFamily="18" charset="0"/>
+                            </a:rPr>
+                            <m:t>𝛽</m:t>
+                          </m:r>
+                        </m:e>
+                        <m:sub>
+                          <m:r>
+                            <a:rPr lang="en-GB" sz="1600" b="0" i="1" smtClean="0">
+                              <a:latin typeface="Cambria Math" panose="02040503050406030204" pitchFamily="18" charset="0"/>
+                            </a:rPr>
+                            <m:t>𝐿𝐴𝐵𝑂𝑈𝑅</m:t>
+                          </m:r>
+                          <m:r>
+                            <a:rPr lang="en-GB" sz="1600" b="0" i="1" smtClean="0">
+                              <a:latin typeface="Cambria Math" panose="02040503050406030204" pitchFamily="18" charset="0"/>
+                            </a:rPr>
+                            <m:t>−</m:t>
+                          </m:r>
+                          <m:r>
+                            <a:rPr lang="en-GB" sz="1600" b="0" i="1" smtClean="0">
+                              <a:latin typeface="Cambria Math" panose="02040503050406030204" pitchFamily="18" charset="0"/>
+                            </a:rPr>
+                            <m:t>𝑖𝑡</m:t>
+                          </m:r>
+                        </m:sub>
+                      </m:sSub>
+                      <m:r>
+                        <a:rPr lang="en-GB" sz="1600" i="1">
+                          <a:latin typeface="Cambria Math" panose="02040503050406030204" pitchFamily="18" charset="0"/>
+                        </a:rPr>
+                        <m:t>⋅</m:t>
+                      </m:r>
+                      <m:r>
+                        <a:rPr lang="en-GB" sz="1600" b="0" i="1" smtClean="0">
+                          <a:latin typeface="Cambria Math" panose="02040503050406030204" pitchFamily="18" charset="0"/>
+                        </a:rPr>
+                        <m:t>𝐿𝐴𝐵𝑂𝑈</m:t>
+                      </m:r>
+                      <m:sSub>
+                        <m:sSubPr>
+                          <m:ctrlPr>
+                            <a:rPr lang="en-GB" sz="1600" b="0" i="1" smtClean="0">
+                              <a:latin typeface="Cambria Math" panose="02040503050406030204" pitchFamily="18" charset="0"/>
+                            </a:rPr>
+                          </m:ctrlPr>
+                        </m:sSubPr>
+                        <m:e>
+                          <m:r>
+                            <a:rPr lang="en-GB" sz="1600" b="0" i="1" smtClean="0">
+                              <a:latin typeface="Cambria Math" panose="02040503050406030204" pitchFamily="18" charset="0"/>
+                            </a:rPr>
+                            <m:t>𝑅</m:t>
+                          </m:r>
+                        </m:e>
+                        <m:sub>
+                          <m:r>
+                            <a:rPr lang="en-GB" sz="1600" b="0" i="1" smtClean="0">
+                              <a:latin typeface="Cambria Math" panose="02040503050406030204" pitchFamily="18" charset="0"/>
+                            </a:rPr>
+                            <m:t>𝑖𝑡</m:t>
+                          </m:r>
+                        </m:sub>
+                      </m:sSub>
+                      <m:r>
+                        <a:rPr lang="en-GB" sz="1600" b="0" i="1" smtClean="0">
+                          <a:latin typeface="Cambria Math" panose="02040503050406030204" pitchFamily="18" charset="0"/>
+                        </a:rPr>
+                        <m:t>+</m:t>
+                      </m:r>
+                      <m:sSub>
+                        <m:sSubPr>
+                          <m:ctrlPr>
+                            <a:rPr lang="en-GB" sz="1600" b="0" i="1" smtClean="0">
+                              <a:latin typeface="Cambria Math" panose="02040503050406030204" pitchFamily="18" charset="0"/>
+                            </a:rPr>
+                          </m:ctrlPr>
+                        </m:sSubPr>
+                        <m:e>
+                          <m:r>
+                            <a:rPr lang="en-GB" sz="1600" b="0" i="1" smtClean="0">
+                              <a:latin typeface="Cambria Math" panose="02040503050406030204" pitchFamily="18" charset="0"/>
+                            </a:rPr>
+                            <m:t>𝛽</m:t>
+                          </m:r>
+                        </m:e>
+                        <m:sub>
+                          <m:r>
+                            <a:rPr lang="en-GB" sz="1600" b="0" i="1" smtClean="0">
+                              <a:latin typeface="Cambria Math" panose="02040503050406030204" pitchFamily="18" charset="0"/>
+                            </a:rPr>
+                            <m:t>94</m:t>
+                          </m:r>
+                        </m:sub>
+                      </m:sSub>
+                      <m:r>
+                        <a:rPr lang="en-GB" sz="1600" b="0" i="1" smtClean="0">
+                          <a:latin typeface="Cambria Math" panose="02040503050406030204" pitchFamily="18" charset="0"/>
+                        </a:rPr>
+                        <m:t>⋅</m:t>
+                      </m:r>
+                      <m:sSub>
+                        <m:sSubPr>
+                          <m:ctrlPr>
+                            <a:rPr lang="en-GB" sz="1600" b="0" i="1" smtClean="0">
+                              <a:latin typeface="Cambria Math" panose="02040503050406030204" pitchFamily="18" charset="0"/>
+                            </a:rPr>
+                          </m:ctrlPr>
+                        </m:sSubPr>
+                        <m:e>
+                          <m:r>
+                            <a:rPr lang="en-GB" sz="1600" b="0" i="1" smtClean="0">
+                              <a:latin typeface="Cambria Math" panose="02040503050406030204" pitchFamily="18" charset="0"/>
+                            </a:rPr>
+                            <m:t>𝑌</m:t>
+                          </m:r>
+                        </m:e>
+                        <m:sub>
+                          <m:r>
+                            <a:rPr lang="en-GB" sz="1600" b="0" i="1" smtClean="0">
+                              <a:latin typeface="Cambria Math" panose="02040503050406030204" pitchFamily="18" charset="0"/>
+                            </a:rPr>
+                            <m:t>94</m:t>
+                          </m:r>
+                        </m:sub>
+                      </m:sSub>
+                      <m:r>
+                        <a:rPr lang="en-GB" sz="1600" b="0" i="1" smtClean="0">
+                          <a:latin typeface="Cambria Math" panose="02040503050406030204" pitchFamily="18" charset="0"/>
+                        </a:rPr>
+                        <m:t>+</m:t>
+                      </m:r>
+                      <m:sSub>
+                        <m:sSubPr>
+                          <m:ctrlPr>
+                            <a:rPr lang="en-GB" sz="1600" b="0" i="1" smtClean="0">
+                              <a:latin typeface="Cambria Math" panose="02040503050406030204" pitchFamily="18" charset="0"/>
+                            </a:rPr>
+                          </m:ctrlPr>
+                        </m:sSubPr>
+                        <m:e>
+                          <m:r>
+                            <a:rPr lang="en-GB" sz="1600" b="0" i="1" smtClean="0">
+                              <a:latin typeface="Cambria Math" panose="02040503050406030204" pitchFamily="18" charset="0"/>
+                            </a:rPr>
+                            <m:t>𝛽</m:t>
+                          </m:r>
+                        </m:e>
+                        <m:sub>
+                          <m:r>
+                            <a:rPr lang="en-GB" sz="1600" b="0" i="1" smtClean="0">
+                              <a:latin typeface="Cambria Math" panose="02040503050406030204" pitchFamily="18" charset="0"/>
+                            </a:rPr>
+                            <m:t>95</m:t>
+                          </m:r>
+                        </m:sub>
+                      </m:sSub>
+                      <m:r>
+                        <a:rPr lang="en-GB" sz="1600" b="0" i="1" smtClean="0">
+                          <a:latin typeface="Cambria Math" panose="02040503050406030204" pitchFamily="18" charset="0"/>
+                        </a:rPr>
+                        <m:t>⋅</m:t>
+                      </m:r>
+                      <m:sSub>
+                        <m:sSubPr>
+                          <m:ctrlPr>
+                            <a:rPr lang="en-GB" sz="1600" b="0" i="1" smtClean="0">
+                              <a:latin typeface="Cambria Math" panose="02040503050406030204" pitchFamily="18" charset="0"/>
+                            </a:rPr>
+                          </m:ctrlPr>
+                        </m:sSubPr>
+                        <m:e>
+                          <m:r>
+                            <a:rPr lang="en-GB" sz="1600" b="0" i="1" smtClean="0">
+                              <a:latin typeface="Cambria Math" panose="02040503050406030204" pitchFamily="18" charset="0"/>
+                            </a:rPr>
+                            <m:t>𝑌</m:t>
+                          </m:r>
+                        </m:e>
+                        <m:sub>
+                          <m:r>
+                            <a:rPr lang="en-GB" sz="1600" b="0" i="1" smtClean="0">
+                              <a:latin typeface="Cambria Math" panose="02040503050406030204" pitchFamily="18" charset="0"/>
+                            </a:rPr>
+                            <m:t>95</m:t>
+                          </m:r>
+                        </m:sub>
+                      </m:sSub>
+                      <m:r>
+                        <a:rPr lang="en-GB" sz="1600" b="0" i="1" smtClean="0">
+                          <a:latin typeface="Cambria Math" panose="02040503050406030204" pitchFamily="18" charset="0"/>
+                        </a:rPr>
+                        <m:t>…+</m:t>
+                      </m:r>
+                      <m:sSub>
+                        <m:sSubPr>
+                          <m:ctrlPr>
+                            <a:rPr lang="en-GB" sz="1600" b="0" i="1" smtClean="0">
+                              <a:latin typeface="Cambria Math" panose="02040503050406030204" pitchFamily="18" charset="0"/>
+                            </a:rPr>
+                          </m:ctrlPr>
+                        </m:sSubPr>
+                        <m:e>
+                          <m:r>
+                            <a:rPr lang="en-GB" sz="1600" b="0" i="1" smtClean="0">
+                              <a:latin typeface="Cambria Math" panose="02040503050406030204" pitchFamily="18" charset="0"/>
+                            </a:rPr>
+                            <m:t>𝛼</m:t>
+                          </m:r>
+                        </m:e>
+                        <m:sub>
+                          <m:r>
+                            <a:rPr lang="en-GB" sz="1600" b="0" i="1" smtClean="0">
+                              <a:latin typeface="Cambria Math" panose="02040503050406030204" pitchFamily="18" charset="0"/>
+                            </a:rPr>
+                            <m:t>𝑖</m:t>
+                          </m:r>
+                        </m:sub>
+                      </m:sSub>
+                    </m:oMath>
+                  </m:oMathPara>
+                </a14:m>
+                <a:endParaRPr lang="en-GB" sz="1600" dirty="0"/>
+              </a:p>
+              <a:p>
+                <a:pPr marL="0" indent="0">
+                  <a:buNone/>
+                </a:pPr>
+                <a:endParaRPr lang="en-GB" sz="1600" b="1" u="sng" dirty="0"/>
+              </a:p>
+            </p:txBody>
+          </p:sp>
+        </mc:Choice>
+        <mc:Fallback>
+          <p:sp>
+            <p:nvSpPr>
+              <p:cNvPr id="3" name="Content Placeholder 2">
+                <a:extLst>
+                  <a:ext uri="{FF2B5EF4-FFF2-40B4-BE49-F238E27FC236}">
+                    <a16:creationId xmlns:a16="http://schemas.microsoft.com/office/drawing/2014/main" id="{06DFED4D-96F1-41C7-BB6A-724DB72156A7}"/>
+                  </a:ext>
+                </a:extLst>
+              </p:cNvPr>
+              <p:cNvSpPr>
+                <a:spLocks noGrp="1" noRot="1" noChangeAspect="1" noMove="1" noResize="1" noEditPoints="1" noAdjustHandles="1" noChangeArrowheads="1" noChangeShapeType="1" noTextEdit="1"/>
+              </p:cNvSpPr>
+              <p:nvPr>
+                <p:ph idx="1"/>
+              </p:nvPr>
+            </p:nvSpPr>
+            <p:spPr>
+              <a:xfrm>
+                <a:off x="838199" y="1476218"/>
+                <a:ext cx="10853691" cy="1325563"/>
+              </a:xfrm>
+              <a:blipFill>
+                <a:blip r:embed="rId4"/>
+                <a:stretch>
+                  <a:fillRect l="-281" t="-3211" r="-561" b="-1835"/>
+                </a:stretch>
+              </a:blipFill>
+            </p:spPr>
+            <p:txBody>
+              <a:bodyPr/>
+              <a:lstStyle/>
+              <a:p>
+                <a:r>
+                  <a:rPr lang="en-GB">
+                    <a:noFill/>
+                  </a:rPr>
+                  <a:t> </a:t>
+                </a:r>
+              </a:p>
+            </p:txBody>
+          </p:sp>
+        </mc:Fallback>
+      </mc:AlternateContent>
+      <p:sp>
+        <p:nvSpPr>
+          <p:cNvPr id="13" name="Rectangle 12">
+            <a:extLst>
+              <a:ext uri="{FF2B5EF4-FFF2-40B4-BE49-F238E27FC236}">
+                <a16:creationId xmlns:a16="http://schemas.microsoft.com/office/drawing/2014/main" id="{C57A7D7E-B2AB-4D1C-BD40-91950CB9F274}"/>
+              </a:ext>
+            </a:extLst>
+          </p:cNvPr>
+          <p:cNvSpPr/>
+          <p:nvPr/>
+        </p:nvSpPr>
+        <p:spPr>
+          <a:xfrm>
+            <a:off x="1464907" y="4843461"/>
+            <a:ext cx="3604530" cy="428907"/>
+          </a:xfrm>
+          <a:prstGeom prst="rect">
+            <a:avLst/>
+          </a:prstGeom>
+          <a:noFill/>
+          <a:ln w="38100">
+            <a:solidFill>
+              <a:srgbClr val="FF0000"/>
+            </a:solidFill>
+          </a:ln>
+        </p:spPr>
+        <p:style>
+          <a:lnRef idx="2">
+            <a:schemeClr val="accent1">
+              <a:shade val="50000"/>
+            </a:schemeClr>
+          </a:lnRef>
+          <a:fillRef idx="1">
+            <a:schemeClr val="accent1"/>
+          </a:fillRef>
+          <a:effectRef idx="0">
+            <a:schemeClr val="accent1"/>
+          </a:effectRef>
+          <a:fontRef idx="minor">
+            <a:schemeClr val="lt1"/>
+          </a:fontRef>
+        </p:style>
+        <p:txBody>
+          <a:bodyPr rtlCol="0" anchor="ctr"/>
+          <a:lstStyle/>
+          <a:p>
+            <a:pPr algn="ctr"/>
+            <a:endParaRPr lang="en-GB"/>
+          </a:p>
+        </p:txBody>
+      </p:sp>
+      <p:grpSp>
+        <p:nvGrpSpPr>
+          <p:cNvPr id="14" name="Group 13">
+            <a:extLst>
+              <a:ext uri="{FF2B5EF4-FFF2-40B4-BE49-F238E27FC236}">
+                <a16:creationId xmlns:a16="http://schemas.microsoft.com/office/drawing/2014/main" id="{B0CA2916-5F14-4D4D-9A40-FF50759577DF}"/>
+              </a:ext>
+            </a:extLst>
+          </p:cNvPr>
+          <p:cNvGrpSpPr/>
+          <p:nvPr/>
+        </p:nvGrpSpPr>
+        <p:grpSpPr>
+          <a:xfrm>
+            <a:off x="5149313" y="3661096"/>
+            <a:ext cx="575104" cy="1396818"/>
+            <a:chOff x="4021585" y="1790192"/>
+            <a:chExt cx="5120812" cy="4441933"/>
+          </a:xfrm>
+        </p:grpSpPr>
+        <p:cxnSp>
+          <p:nvCxnSpPr>
+            <p:cNvPr id="20" name="Straight Arrow Connector 19">
+              <a:extLst>
+                <a:ext uri="{FF2B5EF4-FFF2-40B4-BE49-F238E27FC236}">
+                  <a16:creationId xmlns:a16="http://schemas.microsoft.com/office/drawing/2014/main" id="{B29AD1BA-7103-4575-9250-FE0EB202EAE7}"/>
+                </a:ext>
+              </a:extLst>
+            </p:cNvPr>
+            <p:cNvCxnSpPr>
+              <a:cxnSpLocks/>
+            </p:cNvCxnSpPr>
+            <p:nvPr/>
+          </p:nvCxnSpPr>
+          <p:spPr>
+            <a:xfrm>
+              <a:off x="6095999" y="1790192"/>
+              <a:ext cx="3046398" cy="0"/>
+            </a:xfrm>
+            <a:prstGeom prst="straightConnector1">
+              <a:avLst/>
+            </a:prstGeom>
+            <a:ln>
+              <a:solidFill>
+                <a:srgbClr val="FF0000"/>
+              </a:solidFill>
+              <a:tailEnd type="triangle"/>
+            </a:ln>
+          </p:spPr>
+          <p:style>
+            <a:lnRef idx="1">
+              <a:schemeClr val="accent1"/>
+            </a:lnRef>
+            <a:fillRef idx="0">
+              <a:schemeClr val="accent1"/>
+            </a:fillRef>
+            <a:effectRef idx="0">
+              <a:schemeClr val="accent1"/>
+            </a:effectRef>
+            <a:fontRef idx="minor">
+              <a:schemeClr val="tx1"/>
+            </a:fontRef>
+          </p:style>
+        </p:cxnSp>
+        <p:cxnSp>
+          <p:nvCxnSpPr>
+            <p:cNvPr id="21" name="Straight Arrow Connector 20">
+              <a:extLst>
+                <a:ext uri="{FF2B5EF4-FFF2-40B4-BE49-F238E27FC236}">
+                  <a16:creationId xmlns:a16="http://schemas.microsoft.com/office/drawing/2014/main" id="{453EE2A4-3017-4D03-A445-C29F6711B2F3}"/>
+                </a:ext>
+              </a:extLst>
+            </p:cNvPr>
+            <p:cNvCxnSpPr>
+              <a:cxnSpLocks/>
+            </p:cNvCxnSpPr>
+            <p:nvPr/>
+          </p:nvCxnSpPr>
+          <p:spPr>
+            <a:xfrm>
+              <a:off x="4021585" y="6232125"/>
+              <a:ext cx="2083293" cy="0"/>
+            </a:xfrm>
+            <a:prstGeom prst="straightConnector1">
+              <a:avLst/>
+            </a:prstGeom>
+            <a:ln>
+              <a:solidFill>
+                <a:srgbClr val="FF0000"/>
+              </a:solidFill>
+              <a:tailEnd type="none"/>
+            </a:ln>
+          </p:spPr>
+          <p:style>
+            <a:lnRef idx="1">
+              <a:schemeClr val="accent1"/>
+            </a:lnRef>
+            <a:fillRef idx="0">
+              <a:schemeClr val="accent1"/>
+            </a:fillRef>
+            <a:effectRef idx="0">
+              <a:schemeClr val="accent1"/>
+            </a:effectRef>
+            <a:fontRef idx="minor">
+              <a:schemeClr val="tx1"/>
+            </a:fontRef>
+          </p:style>
+        </p:cxnSp>
+        <p:cxnSp>
+          <p:nvCxnSpPr>
+            <p:cNvPr id="22" name="Straight Arrow Connector 21">
+              <a:extLst>
+                <a:ext uri="{FF2B5EF4-FFF2-40B4-BE49-F238E27FC236}">
+                  <a16:creationId xmlns:a16="http://schemas.microsoft.com/office/drawing/2014/main" id="{98C0BE67-AB23-486C-ADC8-9F585C3C999B}"/>
+                </a:ext>
+              </a:extLst>
+            </p:cNvPr>
+            <p:cNvCxnSpPr>
+              <a:cxnSpLocks/>
+            </p:cNvCxnSpPr>
+            <p:nvPr/>
+          </p:nvCxnSpPr>
+          <p:spPr>
+            <a:xfrm flipV="1">
+              <a:off x="6104878" y="1790192"/>
+              <a:ext cx="0" cy="4441933"/>
+            </a:xfrm>
+            <a:prstGeom prst="straightConnector1">
+              <a:avLst/>
+            </a:prstGeom>
+            <a:ln>
+              <a:solidFill>
+                <a:srgbClr val="FF0000"/>
+              </a:solidFill>
+              <a:tailEnd type="none"/>
+            </a:ln>
+          </p:spPr>
+          <p:style>
+            <a:lnRef idx="1">
+              <a:schemeClr val="accent1"/>
+            </a:lnRef>
+            <a:fillRef idx="0">
+              <a:schemeClr val="accent1"/>
+            </a:fillRef>
+            <a:effectRef idx="0">
+              <a:schemeClr val="accent1"/>
+            </a:effectRef>
+            <a:fontRef idx="minor">
+              <a:schemeClr val="tx1"/>
+            </a:fontRef>
+          </p:style>
+        </p:cxnSp>
+      </p:grpSp>
+      <p:sp>
+        <p:nvSpPr>
+          <p:cNvPr id="23" name="Content Placeholder 2">
+            <a:extLst>
+              <a:ext uri="{FF2B5EF4-FFF2-40B4-BE49-F238E27FC236}">
+                <a16:creationId xmlns:a16="http://schemas.microsoft.com/office/drawing/2014/main" id="{F9F0B7CF-112F-4B21-879B-32AD2FCDF151}"/>
+              </a:ext>
+            </a:extLst>
+          </p:cNvPr>
+          <p:cNvSpPr txBox="1">
+            <a:spLocks/>
+          </p:cNvSpPr>
+          <p:nvPr/>
+        </p:nvSpPr>
+        <p:spPr>
+          <a:xfrm>
+            <a:off x="5724417" y="3181560"/>
+            <a:ext cx="5798796" cy="959071"/>
+          </a:xfrm>
+          <a:prstGeom prst="rect">
+            <a:avLst/>
+          </a:prstGeom>
+        </p:spPr>
+        <p:txBody>
+          <a:bodyPr vert="horz" lIns="91440" tIns="45720" rIns="91440" bIns="45720" rtlCol="0">
+            <a:noAutofit/>
+          </a:bodyPr>
+          <a:lstStyle>
+            <a:lvl1pPr marL="228600" indent="-228600" algn="l" defTabSz="914400" rtl="0" eaLnBrk="1" latinLnBrk="0" hangingPunct="1">
+              <a:lnSpc>
+                <a:spcPct val="90000"/>
+              </a:lnSpc>
+              <a:spcBef>
+                <a:spcPts val="1000"/>
+              </a:spcBef>
+              <a:buFont typeface="Arial" panose="020B0604020202020204" pitchFamily="34" charset="0"/>
+              <a:buChar char="•"/>
+              <a:defRPr sz="2800" kern="1200">
+                <a:solidFill>
+                  <a:schemeClr val="tx1"/>
+                </a:solidFill>
+                <a:latin typeface="+mn-lt"/>
+                <a:ea typeface="+mn-ea"/>
+                <a:cs typeface="+mn-cs"/>
+              </a:defRPr>
+            </a:lvl1pPr>
+            <a:lvl2pPr marL="685800" indent="-228600" algn="l" defTabSz="914400" rtl="0" eaLnBrk="1" latinLnBrk="0" hangingPunct="1">
+              <a:lnSpc>
+                <a:spcPct val="90000"/>
+              </a:lnSpc>
+              <a:spcBef>
+                <a:spcPts val="500"/>
+              </a:spcBef>
+              <a:buFont typeface="Arial" panose="020B0604020202020204" pitchFamily="34" charset="0"/>
+              <a:buChar char="•"/>
+              <a:defRPr sz="2400" kern="1200">
+                <a:solidFill>
+                  <a:schemeClr val="tx1"/>
+                </a:solidFill>
+                <a:latin typeface="+mn-lt"/>
+                <a:ea typeface="+mn-ea"/>
+                <a:cs typeface="+mn-cs"/>
+              </a:defRPr>
+            </a:lvl2pPr>
+            <a:lvl3pPr marL="1143000" indent="-228600" algn="l" defTabSz="914400" rtl="0" eaLnBrk="1" latinLnBrk="0" hangingPunct="1">
+              <a:lnSpc>
+                <a:spcPct val="90000"/>
+              </a:lnSpc>
+              <a:spcBef>
+                <a:spcPts val="500"/>
+              </a:spcBef>
+              <a:buFont typeface="Arial" panose="020B0604020202020204" pitchFamily="34" charset="0"/>
+              <a:buChar char="•"/>
+              <a:defRPr sz="2000" kern="1200">
+                <a:solidFill>
+                  <a:schemeClr val="tx1"/>
+                </a:solidFill>
+                <a:latin typeface="+mn-lt"/>
+                <a:ea typeface="+mn-ea"/>
+                <a:cs typeface="+mn-cs"/>
+              </a:defRPr>
+            </a:lvl3pPr>
+            <a:lvl4pPr marL="1600200" indent="-228600" algn="l" defTabSz="914400" rtl="0" eaLnBrk="1" latinLnBrk="0" hangingPunct="1">
+              <a:lnSpc>
+                <a:spcPct val="90000"/>
+              </a:lnSpc>
+              <a:spcBef>
+                <a:spcPts val="500"/>
+              </a:spcBef>
+              <a:buFont typeface="Arial" panose="020B0604020202020204" pitchFamily="34" charset="0"/>
+              <a:buChar char="•"/>
+              <a:defRPr sz="1800" kern="1200">
+                <a:solidFill>
+                  <a:schemeClr val="tx1"/>
+                </a:solidFill>
+                <a:latin typeface="+mn-lt"/>
+                <a:ea typeface="+mn-ea"/>
+                <a:cs typeface="+mn-cs"/>
+              </a:defRPr>
+            </a:lvl4pPr>
+            <a:lvl5pPr marL="2057400" indent="-228600" algn="l" defTabSz="914400" rtl="0" eaLnBrk="1" latinLnBrk="0" hangingPunct="1">
+              <a:lnSpc>
+                <a:spcPct val="90000"/>
+              </a:lnSpc>
+              <a:spcBef>
+                <a:spcPts val="500"/>
+              </a:spcBef>
+              <a:buFont typeface="Arial" panose="020B0604020202020204" pitchFamily="34" charset="0"/>
+              <a:buChar char="•"/>
+              <a:defRPr sz="1800" kern="1200">
+                <a:solidFill>
+                  <a:schemeClr val="tx1"/>
+                </a:solidFill>
+                <a:latin typeface="+mn-lt"/>
+                <a:ea typeface="+mn-ea"/>
+                <a:cs typeface="+mn-cs"/>
+              </a:defRPr>
+            </a:lvl5pPr>
+            <a:lvl6pPr marL="2514600" indent="-228600" algn="l" defTabSz="914400" rtl="0" eaLnBrk="1" latinLnBrk="0" hangingPunct="1">
+              <a:lnSpc>
+                <a:spcPct val="90000"/>
+              </a:lnSpc>
+              <a:spcBef>
+                <a:spcPts val="500"/>
+              </a:spcBef>
+              <a:buFont typeface="Arial" panose="020B0604020202020204" pitchFamily="34" charset="0"/>
+              <a:buChar char="•"/>
+              <a:defRPr sz="1800" kern="1200">
+                <a:solidFill>
+                  <a:schemeClr val="tx1"/>
+                </a:solidFill>
+                <a:latin typeface="+mn-lt"/>
+                <a:ea typeface="+mn-ea"/>
+                <a:cs typeface="+mn-cs"/>
+              </a:defRPr>
+            </a:lvl6pPr>
+            <a:lvl7pPr marL="2971800" indent="-228600" algn="l" defTabSz="914400" rtl="0" eaLnBrk="1" latinLnBrk="0" hangingPunct="1">
+              <a:lnSpc>
+                <a:spcPct val="90000"/>
+              </a:lnSpc>
+              <a:spcBef>
+                <a:spcPts val="500"/>
+              </a:spcBef>
+              <a:buFont typeface="Arial" panose="020B0604020202020204" pitchFamily="34" charset="0"/>
+              <a:buChar char="•"/>
+              <a:defRPr sz="1800" kern="1200">
+                <a:solidFill>
+                  <a:schemeClr val="tx1"/>
+                </a:solidFill>
+                <a:latin typeface="+mn-lt"/>
+                <a:ea typeface="+mn-ea"/>
+                <a:cs typeface="+mn-cs"/>
+              </a:defRPr>
+            </a:lvl7pPr>
+            <a:lvl8pPr marL="3429000" indent="-228600" algn="l" defTabSz="914400" rtl="0" eaLnBrk="1" latinLnBrk="0" hangingPunct="1">
+              <a:lnSpc>
+                <a:spcPct val="90000"/>
+              </a:lnSpc>
+              <a:spcBef>
+                <a:spcPts val="500"/>
+              </a:spcBef>
+              <a:buFont typeface="Arial" panose="020B0604020202020204" pitchFamily="34" charset="0"/>
+              <a:buChar char="•"/>
+              <a:defRPr sz="1800" kern="1200">
+                <a:solidFill>
+                  <a:schemeClr val="tx1"/>
+                </a:solidFill>
+                <a:latin typeface="+mn-lt"/>
+                <a:ea typeface="+mn-ea"/>
+                <a:cs typeface="+mn-cs"/>
+              </a:defRPr>
+            </a:lvl8pPr>
+            <a:lvl9pPr marL="3886200" indent="-228600" algn="l" defTabSz="914400" rtl="0" eaLnBrk="1" latinLnBrk="0" hangingPunct="1">
+              <a:lnSpc>
+                <a:spcPct val="90000"/>
+              </a:lnSpc>
+              <a:spcBef>
+                <a:spcPts val="500"/>
+              </a:spcBef>
+              <a:buFont typeface="Arial" panose="020B0604020202020204" pitchFamily="34" charset="0"/>
+              <a:buChar char="•"/>
+              <a:defRPr sz="1800" kern="1200">
+                <a:solidFill>
+                  <a:schemeClr val="tx1"/>
+                </a:solidFill>
+                <a:latin typeface="+mn-lt"/>
+                <a:ea typeface="+mn-ea"/>
+                <a:cs typeface="+mn-cs"/>
+              </a:defRPr>
+            </a:lvl9pPr>
+          </a:lstStyle>
+          <a:p>
+            <a:pPr marL="0" indent="0">
+              <a:buFont typeface="Arial" panose="020B0604020202020204" pitchFamily="34" charset="0"/>
+              <a:buNone/>
+            </a:pPr>
+            <a:r>
+              <a:rPr lang="en-GB" sz="1600" dirty="0"/>
+              <a:t>Here we encounter the same problem of the Fixed Effect model: the LABOR and LAND are not statistically significant which is also counter intuitive.</a:t>
+            </a:r>
+          </a:p>
+          <a:p>
+            <a:pPr marL="0" indent="0">
+              <a:buFont typeface="Arial" panose="020B0604020202020204" pitchFamily="34" charset="0"/>
+              <a:buNone/>
+            </a:pPr>
+            <a:endParaRPr lang="en-GB" sz="1600" dirty="0"/>
+          </a:p>
+          <a:p>
+            <a:pPr marL="0" indent="0">
+              <a:buFont typeface="Arial" panose="020B0604020202020204" pitchFamily="34" charset="0"/>
+              <a:buNone/>
+            </a:pPr>
+            <a:endParaRPr lang="en-GB" sz="1600" dirty="0"/>
+          </a:p>
+          <a:p>
+            <a:pPr marL="0" indent="0">
+              <a:buFont typeface="Arial" panose="020B0604020202020204" pitchFamily="34" charset="0"/>
+              <a:buNone/>
+            </a:pPr>
+            <a:endParaRPr lang="en-GB" sz="1600" dirty="0"/>
+          </a:p>
+          <a:p>
+            <a:pPr marL="0" indent="0">
+              <a:buFont typeface="Arial" panose="020B0604020202020204" pitchFamily="34" charset="0"/>
+              <a:buNone/>
+            </a:pPr>
+            <a:endParaRPr lang="en-GB" sz="1600" b="1" u="sng" dirty="0"/>
+          </a:p>
+        </p:txBody>
+      </p:sp>
+      <p:sp>
+        <p:nvSpPr>
+          <p:cNvPr id="11" name="Rectangle 10">
+            <a:extLst>
+              <a:ext uri="{FF2B5EF4-FFF2-40B4-BE49-F238E27FC236}">
+                <a16:creationId xmlns:a16="http://schemas.microsoft.com/office/drawing/2014/main" id="{C21FB25B-4BC2-4A40-9C12-BB325DBD6A0F}"/>
+              </a:ext>
+            </a:extLst>
+          </p:cNvPr>
+          <p:cNvSpPr/>
+          <p:nvPr/>
+        </p:nvSpPr>
+        <p:spPr>
+          <a:xfrm>
+            <a:off x="1155670" y="4242288"/>
+            <a:ext cx="1525387" cy="187669"/>
+          </a:xfrm>
+          <a:prstGeom prst="rect">
+            <a:avLst/>
+          </a:prstGeom>
+          <a:noFill/>
+          <a:ln w="38100">
+            <a:solidFill>
+              <a:srgbClr val="FF0000"/>
+            </a:solidFill>
+          </a:ln>
+        </p:spPr>
+        <p:style>
+          <a:lnRef idx="2">
+            <a:schemeClr val="accent1">
+              <a:shade val="50000"/>
+            </a:schemeClr>
+          </a:lnRef>
+          <a:fillRef idx="1">
+            <a:schemeClr val="accent1"/>
+          </a:fillRef>
+          <a:effectRef idx="0">
+            <a:schemeClr val="accent1"/>
+          </a:effectRef>
+          <a:fontRef idx="minor">
+            <a:schemeClr val="lt1"/>
+          </a:fontRef>
+        </p:style>
+        <p:txBody>
+          <a:bodyPr rtlCol="0" anchor="ctr"/>
+          <a:lstStyle/>
+          <a:p>
+            <a:pPr algn="ctr"/>
+            <a:endParaRPr lang="en-GB"/>
+          </a:p>
+        </p:txBody>
+      </p:sp>
+    </p:spTree>
+    <p:extLst>
+      <p:ext uri="{BB962C8B-B14F-4D97-AF65-F5344CB8AC3E}">
+        <p14:creationId xmlns:p14="http://schemas.microsoft.com/office/powerpoint/2010/main" val="4280756743"/>
+      </p:ext>
+    </p:extLst>
+  </p:cSld>
+  <p:clrMapOvr>
+    <a:masterClrMapping/>
+  </p:clrMapOvr>
+</p:sld>
+</file>
+
+<file path=ppt/slides/slide11.xml><?xml version="1.0" encoding="utf-8"?>
+<p:sld xmlns:a="http://schemas.openxmlformats.org/drawingml/2006/main" xmlns:r="http://schemas.openxmlformats.org/officeDocument/2006/relationships" xmlns:p="http://schemas.openxmlformats.org/presentationml/2006/main">
+  <p:cSld>
+    <p:spTree>
+      <p:nvGrpSpPr>
+        <p:cNvPr id="1" name=""/>
+        <p:cNvGrpSpPr/>
+        <p:nvPr/>
+      </p:nvGrpSpPr>
+      <p:grpSpPr>
+        <a:xfrm>
+          <a:off x="0" y="0"/>
+          <a:ext cx="0" cy="0"/>
+          <a:chOff x="0" y="0"/>
+          <a:chExt cx="0" cy="0"/>
+        </a:xfrm>
+      </p:grpSpPr>
+      <p:sp>
+        <p:nvSpPr>
+          <p:cNvPr id="2" name="Title 1">
+            <a:extLst>
+              <a:ext uri="{FF2B5EF4-FFF2-40B4-BE49-F238E27FC236}">
+                <a16:creationId xmlns:a16="http://schemas.microsoft.com/office/drawing/2014/main" id="{EC16B688-B663-4C1E-B08A-6E20A707692C}"/>
+              </a:ext>
+            </a:extLst>
+          </p:cNvPr>
+          <p:cNvSpPr>
+            <a:spLocks noGrp="1"/>
+          </p:cNvSpPr>
+          <p:nvPr>
+            <p:ph type="title"/>
+          </p:nvPr>
+        </p:nvSpPr>
+        <p:spPr/>
+        <p:txBody>
+          <a:bodyPr/>
+          <a:lstStyle/>
+          <a:p>
+            <a:r>
+              <a:rPr lang="en-GB" dirty="0"/>
+              <a:t>Analysis – Different model specification</a:t>
+            </a:r>
+          </a:p>
+        </p:txBody>
+      </p:sp>
+      <mc:AlternateContent xmlns:mc="http://schemas.openxmlformats.org/markup-compatibility/2006">
+        <mc:Choice xmlns:a14="http://schemas.microsoft.com/office/drawing/2010/main" Requires="a14">
+          <p:sp>
+            <p:nvSpPr>
+              <p:cNvPr id="3" name="Content Placeholder 2">
+                <a:extLst>
+                  <a:ext uri="{FF2B5EF4-FFF2-40B4-BE49-F238E27FC236}">
+                    <a16:creationId xmlns:a16="http://schemas.microsoft.com/office/drawing/2014/main" id="{06DFED4D-96F1-41C7-BB6A-724DB72156A7}"/>
+                  </a:ext>
+                </a:extLst>
+              </p:cNvPr>
+              <p:cNvSpPr>
+                <a:spLocks noGrp="1"/>
+              </p:cNvSpPr>
+              <p:nvPr>
+                <p:ph idx="1"/>
+              </p:nvPr>
+            </p:nvSpPr>
+            <p:spPr>
+              <a:xfrm>
+                <a:off x="838199" y="1476218"/>
+                <a:ext cx="10853691" cy="1325563"/>
+              </a:xfrm>
+            </p:spPr>
+            <p:txBody>
+              <a:bodyPr>
+                <a:noAutofit/>
+              </a:bodyPr>
+              <a:lstStyle/>
+              <a:p>
+                <a:pPr marL="0" indent="0">
+                  <a:buNone/>
+                </a:pPr>
+                <a:r>
+                  <a:rPr lang="en-GB" sz="1600" dirty="0"/>
+                  <a:t>Finally, a different model functional form has been tested with 3 methodologies: OLS, OLS + time fixed effects and Fixed Effects.</a:t>
+                </a:r>
+              </a:p>
+              <a:p>
+                <a:pPr marL="0" indent="0">
+                  <a:buNone/>
+                </a:pPr>
+                <a:endParaRPr lang="en-GB" sz="1600" dirty="0"/>
+              </a:p>
+              <a:p>
+                <a:pPr marL="0" indent="0">
+                  <a:buNone/>
+                </a:pPr>
+                <a14:m>
+                  <m:oMathPara xmlns:m="http://schemas.openxmlformats.org/officeDocument/2006/math">
+                    <m:oMathParaPr>
+                      <m:jc m:val="left"/>
+                    </m:oMathParaPr>
+                    <m:oMath xmlns:m="http://schemas.openxmlformats.org/officeDocument/2006/math">
+                      <m:f>
+                        <m:fPr>
+                          <m:ctrlPr>
+                            <a:rPr lang="en-GB" sz="1600" b="0" i="1" smtClean="0">
+                              <a:latin typeface="Cambria Math" panose="02040503050406030204" pitchFamily="18" charset="0"/>
+                            </a:rPr>
+                          </m:ctrlPr>
+                        </m:fPr>
+                        <m:num>
+                          <m:r>
+                            <a:rPr lang="en-GB" sz="1600" b="0" i="1" smtClean="0">
+                              <a:latin typeface="Cambria Math" panose="02040503050406030204" pitchFamily="18" charset="0"/>
+                            </a:rPr>
+                            <m:t>𝑚𝑖𝑙</m:t>
+                          </m:r>
+                          <m:sSub>
+                            <m:sSubPr>
+                              <m:ctrlPr>
+                                <a:rPr lang="en-GB" sz="1600" b="0" i="1" smtClean="0">
+                                  <a:latin typeface="Cambria Math" panose="02040503050406030204" pitchFamily="18" charset="0"/>
+                                </a:rPr>
+                              </m:ctrlPr>
+                            </m:sSubPr>
+                            <m:e>
+                              <m:r>
+                                <a:rPr lang="en-GB" sz="1600" b="0" i="1" smtClean="0">
+                                  <a:latin typeface="Cambria Math" panose="02040503050406030204" pitchFamily="18" charset="0"/>
+                                </a:rPr>
+                                <m:t>𝑘</m:t>
+                              </m:r>
+                            </m:e>
+                            <m:sub>
+                              <m:r>
+                                <a:rPr lang="en-GB" sz="1600" b="0" i="1" smtClean="0">
+                                  <a:latin typeface="Cambria Math" panose="02040503050406030204" pitchFamily="18" charset="0"/>
+                                </a:rPr>
+                                <m:t>𝑖𝑡</m:t>
+                              </m:r>
+                            </m:sub>
+                          </m:sSub>
+                        </m:num>
+                        <m:den>
+                          <m:r>
+                            <a:rPr lang="en-GB" sz="1600" b="0" i="1" smtClean="0">
+                              <a:latin typeface="Cambria Math" panose="02040503050406030204" pitchFamily="18" charset="0"/>
+                            </a:rPr>
+                            <m:t>𝐶𝑂𝑊</m:t>
+                          </m:r>
+                          <m:sSub>
+                            <m:sSubPr>
+                              <m:ctrlPr>
+                                <a:rPr lang="en-GB" sz="1600" b="0" i="1" smtClean="0">
+                                  <a:latin typeface="Cambria Math" panose="02040503050406030204" pitchFamily="18" charset="0"/>
+                                </a:rPr>
+                              </m:ctrlPr>
+                            </m:sSubPr>
+                            <m:e>
+                              <m:r>
+                                <a:rPr lang="en-GB" sz="1600" b="0" i="1" smtClean="0">
+                                  <a:latin typeface="Cambria Math" panose="02040503050406030204" pitchFamily="18" charset="0"/>
+                                </a:rPr>
+                                <m:t>𝑆</m:t>
+                              </m:r>
+                            </m:e>
+                            <m:sub>
+                              <m:r>
+                                <a:rPr lang="en-GB" sz="1600" b="0" i="1" smtClean="0">
+                                  <a:latin typeface="Cambria Math" panose="02040503050406030204" pitchFamily="18" charset="0"/>
+                                </a:rPr>
+                                <m:t>𝑖𝑡</m:t>
+                              </m:r>
+                            </m:sub>
+                          </m:sSub>
+                        </m:den>
+                      </m:f>
+                      <m:r>
+                        <a:rPr lang="en-GB" sz="1600" b="0" i="1" smtClean="0">
+                          <a:latin typeface="Cambria Math" panose="02040503050406030204" pitchFamily="18" charset="0"/>
+                        </a:rPr>
+                        <m:t>=</m:t>
+                      </m:r>
+                      <m:sSub>
+                        <m:sSubPr>
+                          <m:ctrlPr>
+                            <a:rPr lang="en-GB" sz="1600" i="1">
+                              <a:latin typeface="Cambria Math" panose="02040503050406030204" pitchFamily="18" charset="0"/>
+                            </a:rPr>
+                          </m:ctrlPr>
+                        </m:sSubPr>
+                        <m:e>
+                          <m:r>
+                            <a:rPr lang="en-GB" sz="1600" i="1">
+                              <a:latin typeface="Cambria Math" panose="02040503050406030204" pitchFamily="18" charset="0"/>
+                            </a:rPr>
+                            <m:t>𝛽</m:t>
+                          </m:r>
+                        </m:e>
+                        <m:sub>
+                          <m:r>
+                            <a:rPr lang="en-GB" sz="1600" b="0" i="1" smtClean="0">
+                              <a:latin typeface="Cambria Math" panose="02040503050406030204" pitchFamily="18" charset="0"/>
+                            </a:rPr>
+                            <m:t>𝐿𝐴𝑁𝐷</m:t>
+                          </m:r>
+                          <m:r>
+                            <a:rPr lang="en-GB" sz="1600" b="0" i="1" smtClean="0">
+                              <a:latin typeface="Cambria Math" panose="02040503050406030204" pitchFamily="18" charset="0"/>
+                            </a:rPr>
+                            <m:t>−</m:t>
+                          </m:r>
+                          <m:r>
+                            <a:rPr lang="en-GB" sz="1600" b="0" i="1" smtClean="0">
+                              <a:latin typeface="Cambria Math" panose="02040503050406030204" pitchFamily="18" charset="0"/>
+                            </a:rPr>
+                            <m:t>𝑖𝑡</m:t>
+                          </m:r>
+                        </m:sub>
+                      </m:sSub>
+                      <m:r>
+                        <a:rPr lang="en-GB" sz="1600" i="1">
+                          <a:latin typeface="Cambria Math" panose="02040503050406030204" pitchFamily="18" charset="0"/>
+                        </a:rPr>
+                        <m:t>⋅</m:t>
+                      </m:r>
+                      <m:r>
+                        <a:rPr lang="en-GB" sz="1600" b="0" i="1" smtClean="0">
+                          <a:latin typeface="Cambria Math" panose="02040503050406030204" pitchFamily="18" charset="0"/>
+                        </a:rPr>
+                        <m:t>𝐿𝐴𝑁</m:t>
+                      </m:r>
+                      <m:sSub>
+                        <m:sSubPr>
+                          <m:ctrlPr>
+                            <a:rPr lang="en-GB" sz="1600" b="0" i="1" smtClean="0">
+                              <a:latin typeface="Cambria Math" panose="02040503050406030204" pitchFamily="18" charset="0"/>
+                            </a:rPr>
+                          </m:ctrlPr>
+                        </m:sSubPr>
+                        <m:e>
+                          <m:r>
+                            <a:rPr lang="en-GB" sz="1600" b="0" i="1" smtClean="0">
+                              <a:latin typeface="Cambria Math" panose="02040503050406030204" pitchFamily="18" charset="0"/>
+                            </a:rPr>
+                            <m:t>𝐷</m:t>
+                          </m:r>
+                        </m:e>
+                        <m:sub>
+                          <m:r>
+                            <a:rPr lang="en-GB" sz="1600" b="0" i="1" smtClean="0">
+                              <a:latin typeface="Cambria Math" panose="02040503050406030204" pitchFamily="18" charset="0"/>
+                            </a:rPr>
+                            <m:t>𝑖𝑡</m:t>
+                          </m:r>
+                        </m:sub>
+                      </m:sSub>
+                      <m:r>
+                        <a:rPr lang="en-GB" sz="1600" b="0" i="1" smtClean="0">
+                          <a:latin typeface="Cambria Math" panose="02040503050406030204" pitchFamily="18" charset="0"/>
+                        </a:rPr>
+                        <m:t>+</m:t>
+                      </m:r>
+                      <m:sSub>
+                        <m:sSubPr>
+                          <m:ctrlPr>
+                            <a:rPr lang="en-GB" sz="1600" i="1">
+                              <a:latin typeface="Cambria Math" panose="02040503050406030204" pitchFamily="18" charset="0"/>
+                            </a:rPr>
+                          </m:ctrlPr>
+                        </m:sSubPr>
+                        <m:e>
+                          <m:r>
+                            <a:rPr lang="en-GB" sz="1600" i="1">
+                              <a:latin typeface="Cambria Math" panose="02040503050406030204" pitchFamily="18" charset="0"/>
+                            </a:rPr>
+                            <m:t>𝛽</m:t>
+                          </m:r>
+                        </m:e>
+                        <m:sub>
+                          <m:r>
+                            <a:rPr lang="en-GB" sz="1600" b="0" i="1" smtClean="0">
+                              <a:latin typeface="Cambria Math" panose="02040503050406030204" pitchFamily="18" charset="0"/>
+                            </a:rPr>
+                            <m:t>𝐿𝐴𝐵𝑂𝑈𝑅</m:t>
+                          </m:r>
+                          <m:r>
+                            <a:rPr lang="en-GB" sz="1600" b="0" i="1" smtClean="0">
+                              <a:latin typeface="Cambria Math" panose="02040503050406030204" pitchFamily="18" charset="0"/>
+                            </a:rPr>
+                            <m:t>−</m:t>
+                          </m:r>
+                          <m:r>
+                            <a:rPr lang="en-GB" sz="1600" b="0" i="1" smtClean="0">
+                              <a:latin typeface="Cambria Math" panose="02040503050406030204" pitchFamily="18" charset="0"/>
+                            </a:rPr>
+                            <m:t>𝑖𝑡</m:t>
+                          </m:r>
+                        </m:sub>
+                      </m:sSub>
+                      <m:r>
+                        <a:rPr lang="en-GB" sz="1600" i="1">
+                          <a:latin typeface="Cambria Math" panose="02040503050406030204" pitchFamily="18" charset="0"/>
+                        </a:rPr>
+                        <m:t>⋅</m:t>
+                      </m:r>
+                      <m:r>
+                        <a:rPr lang="en-GB" sz="1600" b="0" i="1" smtClean="0">
+                          <a:latin typeface="Cambria Math" panose="02040503050406030204" pitchFamily="18" charset="0"/>
+                        </a:rPr>
+                        <m:t>𝐿𝐴𝐵𝑂𝑈</m:t>
+                      </m:r>
+                      <m:sSub>
+                        <m:sSubPr>
+                          <m:ctrlPr>
+                            <a:rPr lang="en-GB" sz="1600" b="0" i="1" smtClean="0">
+                              <a:latin typeface="Cambria Math" panose="02040503050406030204" pitchFamily="18" charset="0"/>
+                            </a:rPr>
+                          </m:ctrlPr>
+                        </m:sSubPr>
+                        <m:e>
+                          <m:r>
+                            <a:rPr lang="en-GB" sz="1600" b="0" i="1" smtClean="0">
+                              <a:latin typeface="Cambria Math" panose="02040503050406030204" pitchFamily="18" charset="0"/>
+                            </a:rPr>
+                            <m:t>𝑅</m:t>
+                          </m:r>
+                        </m:e>
+                        <m:sub>
+                          <m:r>
+                            <a:rPr lang="en-GB" sz="1600" b="0" i="1" smtClean="0">
+                              <a:latin typeface="Cambria Math" panose="02040503050406030204" pitchFamily="18" charset="0"/>
+                            </a:rPr>
+                            <m:t>𝑖𝑡</m:t>
+                          </m:r>
+                        </m:sub>
+                      </m:sSub>
+                      <m:r>
+                        <a:rPr lang="en-GB" sz="1600" b="0" i="1" smtClean="0">
+                          <a:latin typeface="Cambria Math" panose="02040503050406030204" pitchFamily="18" charset="0"/>
+                        </a:rPr>
+                        <m:t>+</m:t>
+                      </m:r>
+                      <m:sSub>
+                        <m:sSubPr>
+                          <m:ctrlPr>
+                            <a:rPr lang="en-GB" sz="1600" b="0" i="1" smtClean="0">
+                              <a:latin typeface="Cambria Math" panose="02040503050406030204" pitchFamily="18" charset="0"/>
+                            </a:rPr>
+                          </m:ctrlPr>
+                        </m:sSubPr>
+                        <m:e>
+                          <m:r>
+                            <a:rPr lang="en-GB" sz="1600" b="0" i="1" smtClean="0">
+                              <a:latin typeface="Cambria Math" panose="02040503050406030204" pitchFamily="18" charset="0"/>
+                            </a:rPr>
+                            <m:t>𝛽</m:t>
+                          </m:r>
+                        </m:e>
+                        <m:sub>
+                          <m:r>
+                            <a:rPr lang="en-GB" sz="1600" b="0" i="1" smtClean="0">
+                              <a:latin typeface="Cambria Math" panose="02040503050406030204" pitchFamily="18" charset="0"/>
+                            </a:rPr>
+                            <m:t>𝐹𝐸𝐸𝐷</m:t>
+                          </m:r>
+                          <m:r>
+                            <a:rPr lang="en-GB" sz="1600" b="0" i="1" smtClean="0">
+                              <a:latin typeface="Cambria Math" panose="02040503050406030204" pitchFamily="18" charset="0"/>
+                            </a:rPr>
+                            <m:t>−</m:t>
+                          </m:r>
+                          <m:r>
+                            <a:rPr lang="en-GB" sz="1600" b="0" i="1" smtClean="0">
+                              <a:latin typeface="Cambria Math" panose="02040503050406030204" pitchFamily="18" charset="0"/>
+                            </a:rPr>
+                            <m:t>𝑖𝑡</m:t>
+                          </m:r>
+                        </m:sub>
+                      </m:sSub>
+                      <m:d>
+                        <m:dPr>
+                          <m:ctrlPr>
+                            <a:rPr lang="en-GB" sz="1600" b="0" i="1" smtClean="0">
+                              <a:latin typeface="Cambria Math" panose="02040503050406030204" pitchFamily="18" charset="0"/>
+                            </a:rPr>
+                          </m:ctrlPr>
+                        </m:dPr>
+                        <m:e>
+                          <m:f>
+                            <m:fPr>
+                              <m:ctrlPr>
+                                <a:rPr lang="en-GB" sz="1600" b="0" i="1" smtClean="0">
+                                  <a:latin typeface="Cambria Math" panose="02040503050406030204" pitchFamily="18" charset="0"/>
+                                </a:rPr>
+                              </m:ctrlPr>
+                            </m:fPr>
+                            <m:num>
+                              <m:r>
+                                <a:rPr lang="en-GB" sz="1600" b="0" i="1" smtClean="0">
+                                  <a:latin typeface="Cambria Math" panose="02040503050406030204" pitchFamily="18" charset="0"/>
+                                </a:rPr>
+                                <m:t>𝐹𝐸𝐸</m:t>
+                              </m:r>
+                              <m:sSub>
+                                <m:sSubPr>
+                                  <m:ctrlPr>
+                                    <a:rPr lang="en-GB" sz="1600" b="0" i="1" smtClean="0">
+                                      <a:latin typeface="Cambria Math" panose="02040503050406030204" pitchFamily="18" charset="0"/>
+                                    </a:rPr>
+                                  </m:ctrlPr>
+                                </m:sSubPr>
+                                <m:e>
+                                  <m:r>
+                                    <a:rPr lang="en-GB" sz="1600" b="0" i="1" smtClean="0">
+                                      <a:latin typeface="Cambria Math" panose="02040503050406030204" pitchFamily="18" charset="0"/>
+                                    </a:rPr>
+                                    <m:t>𝐷</m:t>
+                                  </m:r>
+                                </m:e>
+                                <m:sub>
+                                  <m:r>
+                                    <a:rPr lang="en-GB" sz="1600" b="0" i="1" smtClean="0">
+                                      <a:latin typeface="Cambria Math" panose="02040503050406030204" pitchFamily="18" charset="0"/>
+                                    </a:rPr>
+                                    <m:t>𝑖𝑡</m:t>
+                                  </m:r>
+                                </m:sub>
+                              </m:sSub>
+                            </m:num>
+                            <m:den>
+                              <m:r>
+                                <a:rPr lang="en-GB" sz="1600" b="0" i="1" smtClean="0">
+                                  <a:latin typeface="Cambria Math" panose="02040503050406030204" pitchFamily="18" charset="0"/>
+                                </a:rPr>
+                                <m:t>𝐶𝑂𝑊</m:t>
+                              </m:r>
+                              <m:sSub>
+                                <m:sSubPr>
+                                  <m:ctrlPr>
+                                    <a:rPr lang="en-GB" sz="1600" b="0" i="1" smtClean="0">
+                                      <a:latin typeface="Cambria Math" panose="02040503050406030204" pitchFamily="18" charset="0"/>
+                                    </a:rPr>
+                                  </m:ctrlPr>
+                                </m:sSubPr>
+                                <m:e>
+                                  <m:r>
+                                    <a:rPr lang="en-GB" sz="1600" b="0" i="1" smtClean="0">
+                                      <a:latin typeface="Cambria Math" panose="02040503050406030204" pitchFamily="18" charset="0"/>
+                                    </a:rPr>
+                                    <m:t>𝑆</m:t>
+                                  </m:r>
+                                </m:e>
+                                <m:sub>
+                                  <m:r>
+                                    <a:rPr lang="en-GB" sz="1600" b="0" i="1" smtClean="0">
+                                      <a:latin typeface="Cambria Math" panose="02040503050406030204" pitchFamily="18" charset="0"/>
+                                    </a:rPr>
+                                    <m:t>𝑖𝑡</m:t>
+                                  </m:r>
+                                </m:sub>
+                              </m:sSub>
+                            </m:den>
+                          </m:f>
+                        </m:e>
+                      </m:d>
+                      <m:r>
+                        <a:rPr lang="en-GB" sz="1600" b="0" i="1" smtClean="0">
+                          <a:latin typeface="Cambria Math" panose="02040503050406030204" pitchFamily="18" charset="0"/>
+                        </a:rPr>
+                        <m:t>…</m:t>
+                      </m:r>
+                    </m:oMath>
+                  </m:oMathPara>
+                </a14:m>
+                <a:endParaRPr lang="en-GB" sz="1600" dirty="0"/>
+              </a:p>
+              <a:p>
+                <a:pPr marL="0" indent="0">
+                  <a:buNone/>
+                </a:pPr>
+                <a:endParaRPr lang="en-GB" sz="1600" b="1" u="sng" dirty="0"/>
+              </a:p>
+            </p:txBody>
+          </p:sp>
+        </mc:Choice>
+        <mc:Fallback>
+          <p:sp>
+            <p:nvSpPr>
+              <p:cNvPr id="3" name="Content Placeholder 2">
+                <a:extLst>
+                  <a:ext uri="{FF2B5EF4-FFF2-40B4-BE49-F238E27FC236}">
+                    <a16:creationId xmlns:a16="http://schemas.microsoft.com/office/drawing/2014/main" id="{06DFED4D-96F1-41C7-BB6A-724DB72156A7}"/>
+                  </a:ext>
+                </a:extLst>
+              </p:cNvPr>
+              <p:cNvSpPr>
+                <a:spLocks noGrp="1" noRot="1" noChangeAspect="1" noMove="1" noResize="1" noEditPoints="1" noAdjustHandles="1" noChangeArrowheads="1" noChangeShapeType="1" noTextEdit="1"/>
+              </p:cNvSpPr>
+              <p:nvPr>
+                <p:ph idx="1"/>
+              </p:nvPr>
+            </p:nvSpPr>
+            <p:spPr>
+              <a:xfrm>
+                <a:off x="838199" y="1476218"/>
+                <a:ext cx="10853691" cy="1325563"/>
+              </a:xfrm>
+              <a:blipFill>
+                <a:blip r:embed="rId3"/>
+                <a:stretch>
+                  <a:fillRect l="-281" t="-3211"/>
+                </a:stretch>
+              </a:blipFill>
+            </p:spPr>
+            <p:txBody>
+              <a:bodyPr/>
+              <a:lstStyle/>
+              <a:p>
+                <a:r>
+                  <a:rPr lang="en-GB">
+                    <a:noFill/>
+                  </a:rPr>
+                  <a:t> </a:t>
+                </a:r>
+              </a:p>
+            </p:txBody>
+          </p:sp>
+        </mc:Fallback>
+      </mc:AlternateContent>
+      <p:grpSp>
+        <p:nvGrpSpPr>
+          <p:cNvPr id="4" name="Group 3">
+            <a:extLst>
+              <a:ext uri="{FF2B5EF4-FFF2-40B4-BE49-F238E27FC236}">
+                <a16:creationId xmlns:a16="http://schemas.microsoft.com/office/drawing/2014/main" id="{69B50785-045F-4D6A-90CC-C8158A08CB12}"/>
+              </a:ext>
+            </a:extLst>
+          </p:cNvPr>
+          <p:cNvGrpSpPr/>
+          <p:nvPr/>
+        </p:nvGrpSpPr>
+        <p:grpSpPr>
+          <a:xfrm>
+            <a:off x="307882" y="2801781"/>
+            <a:ext cx="4506540" cy="1347659"/>
+            <a:chOff x="755557" y="2703943"/>
+            <a:chExt cx="4506540" cy="1347659"/>
+          </a:xfrm>
+        </p:grpSpPr>
+        <p:pic>
+          <p:nvPicPr>
+            <p:cNvPr id="5" name="Picture 4">
+              <a:extLst>
+                <a:ext uri="{FF2B5EF4-FFF2-40B4-BE49-F238E27FC236}">
+                  <a16:creationId xmlns:a16="http://schemas.microsoft.com/office/drawing/2014/main" id="{D311EF35-44FA-411F-92CD-A270821D6DE7}"/>
+                </a:ext>
+              </a:extLst>
+            </p:cNvPr>
+            <p:cNvPicPr>
+              <a:picLocks noChangeAspect="1"/>
+            </p:cNvPicPr>
+            <p:nvPr/>
+          </p:nvPicPr>
+          <p:blipFill rotWithShape="1">
+            <a:blip r:embed="rId4"/>
+            <a:srcRect b="87399"/>
+            <a:stretch/>
+          </p:blipFill>
+          <p:spPr>
+            <a:xfrm>
+              <a:off x="755557" y="2703943"/>
+              <a:ext cx="4506540" cy="279303"/>
+            </a:xfrm>
+            <a:prstGeom prst="rect">
+              <a:avLst/>
+            </a:prstGeom>
+            <a:ln>
+              <a:solidFill>
+                <a:schemeClr val="tx1"/>
+              </a:solidFill>
+            </a:ln>
+          </p:spPr>
+        </p:pic>
+        <p:pic>
+          <p:nvPicPr>
+            <p:cNvPr id="7" name="Picture 6">
+              <a:extLst>
+                <a:ext uri="{FF2B5EF4-FFF2-40B4-BE49-F238E27FC236}">
+                  <a16:creationId xmlns:a16="http://schemas.microsoft.com/office/drawing/2014/main" id="{007EFDCD-80F1-4F35-90ED-250FB544CC05}"/>
+                </a:ext>
+              </a:extLst>
+            </p:cNvPr>
+            <p:cNvPicPr>
+              <a:picLocks noChangeAspect="1"/>
+            </p:cNvPicPr>
+            <p:nvPr/>
+          </p:nvPicPr>
+          <p:blipFill rotWithShape="1">
+            <a:blip r:embed="rId4"/>
+            <a:srcRect t="55209" b="-7620"/>
+            <a:stretch/>
+          </p:blipFill>
+          <p:spPr>
+            <a:xfrm>
+              <a:off x="755557" y="2889940"/>
+              <a:ext cx="4506540" cy="1161662"/>
+            </a:xfrm>
+            <a:prstGeom prst="rect">
+              <a:avLst/>
+            </a:prstGeom>
+            <a:ln>
+              <a:solidFill>
+                <a:schemeClr val="tx1"/>
+              </a:solidFill>
+            </a:ln>
+          </p:spPr>
+        </p:pic>
+      </p:grpSp>
+      <p:grpSp>
+        <p:nvGrpSpPr>
+          <p:cNvPr id="6" name="Group 5">
+            <a:extLst>
+              <a:ext uri="{FF2B5EF4-FFF2-40B4-BE49-F238E27FC236}">
+                <a16:creationId xmlns:a16="http://schemas.microsoft.com/office/drawing/2014/main" id="{97D74331-6B3D-4935-B123-0E965BDCD721}"/>
+              </a:ext>
+            </a:extLst>
+          </p:cNvPr>
+          <p:cNvGrpSpPr/>
+          <p:nvPr/>
+        </p:nvGrpSpPr>
+        <p:grpSpPr>
+          <a:xfrm>
+            <a:off x="307882" y="4417336"/>
+            <a:ext cx="4506540" cy="1749830"/>
+            <a:chOff x="755557" y="3940117"/>
+            <a:chExt cx="4506540" cy="1749830"/>
+          </a:xfrm>
+        </p:grpSpPr>
+        <p:pic>
+          <p:nvPicPr>
+            <p:cNvPr id="8" name="Picture 7">
+              <a:extLst>
+                <a:ext uri="{FF2B5EF4-FFF2-40B4-BE49-F238E27FC236}">
+                  <a16:creationId xmlns:a16="http://schemas.microsoft.com/office/drawing/2014/main" id="{E0F98C60-6FBC-4B10-BBEE-E21CC38D8545}"/>
+                </a:ext>
+              </a:extLst>
+            </p:cNvPr>
+            <p:cNvPicPr>
+              <a:picLocks noChangeAspect="1"/>
+            </p:cNvPicPr>
+            <p:nvPr/>
+          </p:nvPicPr>
+          <p:blipFill rotWithShape="1">
+            <a:blip r:embed="rId5"/>
+            <a:srcRect t="47600"/>
+            <a:stretch/>
+          </p:blipFill>
+          <p:spPr>
+            <a:xfrm>
+              <a:off x="755557" y="4102895"/>
+              <a:ext cx="4506540" cy="1587052"/>
+            </a:xfrm>
+            <a:prstGeom prst="rect">
+              <a:avLst/>
+            </a:prstGeom>
+            <a:ln>
+              <a:solidFill>
+                <a:schemeClr val="tx1"/>
+              </a:solidFill>
+            </a:ln>
+          </p:spPr>
+        </p:pic>
+        <p:pic>
+          <p:nvPicPr>
+            <p:cNvPr id="9" name="Picture 8">
+              <a:extLst>
+                <a:ext uri="{FF2B5EF4-FFF2-40B4-BE49-F238E27FC236}">
+                  <a16:creationId xmlns:a16="http://schemas.microsoft.com/office/drawing/2014/main" id="{E85B8434-9AA1-461D-AFFC-A568124AC528}"/>
+                </a:ext>
+              </a:extLst>
+            </p:cNvPr>
+            <p:cNvPicPr>
+              <a:picLocks noChangeAspect="1"/>
+            </p:cNvPicPr>
+            <p:nvPr/>
+          </p:nvPicPr>
+          <p:blipFill rotWithShape="1">
+            <a:blip r:embed="rId5"/>
+            <a:srcRect b="94625"/>
+            <a:stretch/>
+          </p:blipFill>
+          <p:spPr>
+            <a:xfrm>
+              <a:off x="755557" y="3940117"/>
+              <a:ext cx="4506540" cy="162778"/>
+            </a:xfrm>
+            <a:prstGeom prst="rect">
+              <a:avLst/>
+            </a:prstGeom>
+            <a:ln>
+              <a:solidFill>
+                <a:schemeClr val="tx1"/>
+              </a:solidFill>
+            </a:ln>
+          </p:spPr>
+        </p:pic>
+      </p:grpSp>
+      <p:grpSp>
+        <p:nvGrpSpPr>
+          <p:cNvPr id="12" name="Group 11">
+            <a:extLst>
+              <a:ext uri="{FF2B5EF4-FFF2-40B4-BE49-F238E27FC236}">
+                <a16:creationId xmlns:a16="http://schemas.microsoft.com/office/drawing/2014/main" id="{2C6E1D4B-8445-4350-BFC2-D486B84C03E7}"/>
+              </a:ext>
+            </a:extLst>
+          </p:cNvPr>
+          <p:cNvGrpSpPr>
+            <a:grpSpLocks noChangeAspect="1"/>
+          </p:cNvGrpSpPr>
+          <p:nvPr/>
+        </p:nvGrpSpPr>
+        <p:grpSpPr>
+          <a:xfrm>
+            <a:off x="5238127" y="2801781"/>
+            <a:ext cx="4680000" cy="2417679"/>
+            <a:chOff x="5344739" y="3776319"/>
+            <a:chExt cx="5258534" cy="2716556"/>
+          </a:xfrm>
+        </p:grpSpPr>
+        <p:pic>
+          <p:nvPicPr>
+            <p:cNvPr id="10" name="Picture 9">
+              <a:extLst>
+                <a:ext uri="{FF2B5EF4-FFF2-40B4-BE49-F238E27FC236}">
+                  <a16:creationId xmlns:a16="http://schemas.microsoft.com/office/drawing/2014/main" id="{BA25EEB3-F0E5-45D6-97C0-D77ACBDA1C33}"/>
+                </a:ext>
+              </a:extLst>
+            </p:cNvPr>
+            <p:cNvPicPr>
+              <a:picLocks noChangeAspect="1"/>
+            </p:cNvPicPr>
+            <p:nvPr/>
+          </p:nvPicPr>
+          <p:blipFill rotWithShape="1">
+            <a:blip r:embed="rId6"/>
+            <a:srcRect t="45535"/>
+            <a:stretch/>
+          </p:blipFill>
+          <p:spPr>
+            <a:xfrm>
+              <a:off x="5344739" y="3940117"/>
+              <a:ext cx="5258534" cy="2552758"/>
+            </a:xfrm>
+            <a:prstGeom prst="rect">
+              <a:avLst/>
+            </a:prstGeom>
+            <a:ln>
+              <a:solidFill>
+                <a:schemeClr val="tx1"/>
+              </a:solidFill>
+            </a:ln>
+          </p:spPr>
+        </p:pic>
+        <p:pic>
+          <p:nvPicPr>
+            <p:cNvPr id="11" name="Picture 10">
+              <a:extLst>
+                <a:ext uri="{FF2B5EF4-FFF2-40B4-BE49-F238E27FC236}">
+                  <a16:creationId xmlns:a16="http://schemas.microsoft.com/office/drawing/2014/main" id="{E64231D5-79B5-4B1F-A2C3-E4731C7B88A7}"/>
+                </a:ext>
+              </a:extLst>
+            </p:cNvPr>
+            <p:cNvPicPr>
+              <a:picLocks noChangeAspect="1"/>
+            </p:cNvPicPr>
+            <p:nvPr/>
+          </p:nvPicPr>
+          <p:blipFill rotWithShape="1">
+            <a:blip r:embed="rId6"/>
+            <a:srcRect b="96505"/>
+            <a:stretch/>
+          </p:blipFill>
+          <p:spPr>
+            <a:xfrm>
+              <a:off x="5344739" y="3776319"/>
+              <a:ext cx="5258534" cy="163798"/>
+            </a:xfrm>
+            <a:prstGeom prst="rect">
+              <a:avLst/>
+            </a:prstGeom>
+            <a:ln>
+              <a:solidFill>
+                <a:schemeClr val="tx1"/>
+              </a:solidFill>
+            </a:ln>
+          </p:spPr>
+        </p:pic>
+      </p:grpSp>
+      <p:sp>
+        <p:nvSpPr>
+          <p:cNvPr id="13" name="Content Placeholder 2">
+            <a:extLst>
+              <a:ext uri="{FF2B5EF4-FFF2-40B4-BE49-F238E27FC236}">
+                <a16:creationId xmlns:a16="http://schemas.microsoft.com/office/drawing/2014/main" id="{19157F41-CB20-4C59-A098-1990462317E7}"/>
+              </a:ext>
+            </a:extLst>
+          </p:cNvPr>
+          <p:cNvSpPr txBox="1">
+            <a:spLocks/>
+          </p:cNvSpPr>
+          <p:nvPr/>
+        </p:nvSpPr>
+        <p:spPr>
+          <a:xfrm>
+            <a:off x="5238127" y="5532438"/>
+            <a:ext cx="6645992" cy="888234"/>
+          </a:xfrm>
+          <a:prstGeom prst="rect">
+            <a:avLst/>
+          </a:prstGeom>
+        </p:spPr>
+        <p:txBody>
+          <a:bodyPr vert="horz" lIns="91440" tIns="45720" rIns="91440" bIns="45720" rtlCol="0">
+            <a:noAutofit/>
+          </a:bodyPr>
+          <a:lstStyle>
+            <a:lvl1pPr marL="228600" indent="-228600" algn="l" defTabSz="914400" rtl="0" eaLnBrk="1" latinLnBrk="0" hangingPunct="1">
+              <a:lnSpc>
+                <a:spcPct val="90000"/>
+              </a:lnSpc>
+              <a:spcBef>
+                <a:spcPts val="1000"/>
+              </a:spcBef>
+              <a:buFont typeface="Arial" panose="020B0604020202020204" pitchFamily="34" charset="0"/>
+              <a:buChar char="•"/>
+              <a:defRPr sz="2800" kern="1200">
+                <a:solidFill>
+                  <a:schemeClr val="tx1"/>
+                </a:solidFill>
+                <a:latin typeface="+mn-lt"/>
+                <a:ea typeface="+mn-ea"/>
+                <a:cs typeface="+mn-cs"/>
+              </a:defRPr>
+            </a:lvl1pPr>
+            <a:lvl2pPr marL="685800" indent="-228600" algn="l" defTabSz="914400" rtl="0" eaLnBrk="1" latinLnBrk="0" hangingPunct="1">
+              <a:lnSpc>
+                <a:spcPct val="90000"/>
+              </a:lnSpc>
+              <a:spcBef>
+                <a:spcPts val="500"/>
+              </a:spcBef>
+              <a:buFont typeface="Arial" panose="020B0604020202020204" pitchFamily="34" charset="0"/>
+              <a:buChar char="•"/>
+              <a:defRPr sz="2400" kern="1200">
+                <a:solidFill>
+                  <a:schemeClr val="tx1"/>
+                </a:solidFill>
+                <a:latin typeface="+mn-lt"/>
+                <a:ea typeface="+mn-ea"/>
+                <a:cs typeface="+mn-cs"/>
+              </a:defRPr>
+            </a:lvl2pPr>
+            <a:lvl3pPr marL="1143000" indent="-228600" algn="l" defTabSz="914400" rtl="0" eaLnBrk="1" latinLnBrk="0" hangingPunct="1">
+              <a:lnSpc>
+                <a:spcPct val="90000"/>
+              </a:lnSpc>
+              <a:spcBef>
+                <a:spcPts val="500"/>
+              </a:spcBef>
+              <a:buFont typeface="Arial" panose="020B0604020202020204" pitchFamily="34" charset="0"/>
+              <a:buChar char="•"/>
+              <a:defRPr sz="2000" kern="1200">
+                <a:solidFill>
+                  <a:schemeClr val="tx1"/>
+                </a:solidFill>
+                <a:latin typeface="+mn-lt"/>
+                <a:ea typeface="+mn-ea"/>
+                <a:cs typeface="+mn-cs"/>
+              </a:defRPr>
+            </a:lvl3pPr>
+            <a:lvl4pPr marL="1600200" indent="-228600" algn="l" defTabSz="914400" rtl="0" eaLnBrk="1" latinLnBrk="0" hangingPunct="1">
+              <a:lnSpc>
+                <a:spcPct val="90000"/>
+              </a:lnSpc>
+              <a:spcBef>
+                <a:spcPts val="500"/>
+              </a:spcBef>
+              <a:buFont typeface="Arial" panose="020B0604020202020204" pitchFamily="34" charset="0"/>
+              <a:buChar char="•"/>
+              <a:defRPr sz="1800" kern="1200">
+                <a:solidFill>
+                  <a:schemeClr val="tx1"/>
+                </a:solidFill>
+                <a:latin typeface="+mn-lt"/>
+                <a:ea typeface="+mn-ea"/>
+                <a:cs typeface="+mn-cs"/>
+              </a:defRPr>
+            </a:lvl4pPr>
+            <a:lvl5pPr marL="2057400" indent="-228600" algn="l" defTabSz="914400" rtl="0" eaLnBrk="1" latinLnBrk="0" hangingPunct="1">
+              <a:lnSpc>
+                <a:spcPct val="90000"/>
+              </a:lnSpc>
+              <a:spcBef>
+                <a:spcPts val="500"/>
+              </a:spcBef>
+              <a:buFont typeface="Arial" panose="020B0604020202020204" pitchFamily="34" charset="0"/>
+              <a:buChar char="•"/>
+              <a:defRPr sz="1800" kern="1200">
+                <a:solidFill>
+                  <a:schemeClr val="tx1"/>
+                </a:solidFill>
+                <a:latin typeface="+mn-lt"/>
+                <a:ea typeface="+mn-ea"/>
+                <a:cs typeface="+mn-cs"/>
+              </a:defRPr>
+            </a:lvl5pPr>
+            <a:lvl6pPr marL="2514600" indent="-228600" algn="l" defTabSz="914400" rtl="0" eaLnBrk="1" latinLnBrk="0" hangingPunct="1">
+              <a:lnSpc>
+                <a:spcPct val="90000"/>
+              </a:lnSpc>
+              <a:spcBef>
+                <a:spcPts val="500"/>
+              </a:spcBef>
+              <a:buFont typeface="Arial" panose="020B0604020202020204" pitchFamily="34" charset="0"/>
+              <a:buChar char="•"/>
+              <a:defRPr sz="1800" kern="1200">
+                <a:solidFill>
+                  <a:schemeClr val="tx1"/>
+                </a:solidFill>
+                <a:latin typeface="+mn-lt"/>
+                <a:ea typeface="+mn-ea"/>
+                <a:cs typeface="+mn-cs"/>
+              </a:defRPr>
+            </a:lvl6pPr>
+            <a:lvl7pPr marL="2971800" indent="-228600" algn="l" defTabSz="914400" rtl="0" eaLnBrk="1" latinLnBrk="0" hangingPunct="1">
+              <a:lnSpc>
+                <a:spcPct val="90000"/>
+              </a:lnSpc>
+              <a:spcBef>
+                <a:spcPts val="500"/>
+              </a:spcBef>
+              <a:buFont typeface="Arial" panose="020B0604020202020204" pitchFamily="34" charset="0"/>
+              <a:buChar char="•"/>
+              <a:defRPr sz="1800" kern="1200">
+                <a:solidFill>
+                  <a:schemeClr val="tx1"/>
+                </a:solidFill>
+                <a:latin typeface="+mn-lt"/>
+                <a:ea typeface="+mn-ea"/>
+                <a:cs typeface="+mn-cs"/>
+              </a:defRPr>
+            </a:lvl7pPr>
+            <a:lvl8pPr marL="3429000" indent="-228600" algn="l" defTabSz="914400" rtl="0" eaLnBrk="1" latinLnBrk="0" hangingPunct="1">
+              <a:lnSpc>
+                <a:spcPct val="90000"/>
+              </a:lnSpc>
+              <a:spcBef>
+                <a:spcPts val="500"/>
+              </a:spcBef>
+              <a:buFont typeface="Arial" panose="020B0604020202020204" pitchFamily="34" charset="0"/>
+              <a:buChar char="•"/>
+              <a:defRPr sz="1800" kern="1200">
+                <a:solidFill>
+                  <a:schemeClr val="tx1"/>
+                </a:solidFill>
+                <a:latin typeface="+mn-lt"/>
+                <a:ea typeface="+mn-ea"/>
+                <a:cs typeface="+mn-cs"/>
+              </a:defRPr>
+            </a:lvl8pPr>
+            <a:lvl9pPr marL="3886200" indent="-228600" algn="l" defTabSz="914400" rtl="0" eaLnBrk="1" latinLnBrk="0" hangingPunct="1">
+              <a:lnSpc>
+                <a:spcPct val="90000"/>
+              </a:lnSpc>
+              <a:spcBef>
+                <a:spcPts val="500"/>
+              </a:spcBef>
+              <a:buFont typeface="Arial" panose="020B0604020202020204" pitchFamily="34" charset="0"/>
+              <a:buChar char="•"/>
+              <a:defRPr sz="1800" kern="1200">
+                <a:solidFill>
+                  <a:schemeClr val="tx1"/>
+                </a:solidFill>
+                <a:latin typeface="+mn-lt"/>
+                <a:ea typeface="+mn-ea"/>
+                <a:cs typeface="+mn-cs"/>
+              </a:defRPr>
+            </a:lvl9pPr>
+          </a:lstStyle>
+          <a:p>
+            <a:pPr marL="0" indent="0">
+              <a:buFont typeface="Arial" panose="020B0604020202020204" pitchFamily="34" charset="0"/>
+              <a:buNone/>
+            </a:pPr>
+            <a:r>
+              <a:rPr lang="en-GB" sz="1600" dirty="0"/>
+              <a:t>No significant differences for the Foxed Effects model have been found. On the other hand OLS models seems to benefit from the normalization with the number of COWS; in fact now the coefficients are positive, which is expected.</a:t>
+            </a:r>
+          </a:p>
+          <a:p>
+            <a:pPr marL="0" indent="0">
+              <a:buFont typeface="Arial" panose="020B0604020202020204" pitchFamily="34" charset="0"/>
+              <a:buNone/>
+            </a:pPr>
+            <a:endParaRPr lang="en-GB" sz="1600" b="1" u="sng" dirty="0"/>
+          </a:p>
+        </p:txBody>
+      </p:sp>
+    </p:spTree>
+    <p:extLst>
+      <p:ext uri="{BB962C8B-B14F-4D97-AF65-F5344CB8AC3E}">
+        <p14:creationId xmlns:p14="http://schemas.microsoft.com/office/powerpoint/2010/main" val="665436164"/>
+      </p:ext>
+    </p:extLst>
+  </p:cSld>
+  <p:clrMapOvr>
+    <a:masterClrMapping/>
+  </p:clrMapOvr>
+</p:sld>
+</file>
+
+<file path=ppt/slides/slide12.xml><?xml version="1.0" encoding="utf-8"?>
+<p:sld xmlns:a="http://schemas.openxmlformats.org/drawingml/2006/main" xmlns:r="http://schemas.openxmlformats.org/officeDocument/2006/relationships" xmlns:p="http://schemas.openxmlformats.org/presentationml/2006/main">
+  <p:cSld>
+    <p:spTree>
+      <p:nvGrpSpPr>
+        <p:cNvPr id="1" name=""/>
+        <p:cNvGrpSpPr/>
+        <p:nvPr/>
+      </p:nvGrpSpPr>
+      <p:grpSpPr>
+        <a:xfrm>
+          <a:off x="0" y="0"/>
+          <a:ext cx="0" cy="0"/>
+          <a:chOff x="0" y="0"/>
+          <a:chExt cx="0" cy="0"/>
+        </a:xfrm>
+      </p:grpSpPr>
       <p:sp>
         <p:nvSpPr>
           <p:cNvPr id="2" name="Title 1">
@@ -4629,8 +7014,17 @@
             </a:pPr>
             <a:r>
               <a:rPr lang="en-GB" sz="1600" dirty="0"/>
-              <a:t>None of the model seems suitable for understanding the real structure behind the data; in fact, all the models show some counter intuitive characteristic which is very difficult to justify.</a:t>
+              <a:t>None of the model using LABOR, LAND and COWS seems suitable for understanding the real structure behind the data; in fact, all the models show some counter intuitive characteristic which is difficult to justify. For model using </a:t>
             </a:r>
+            <a:r>
+              <a:rPr lang="en-GB" sz="1600" i="1" dirty="0"/>
+              <a:t>demeaning</a:t>
+            </a:r>
+            <a:r>
+              <a:rPr lang="en-GB" sz="1600" dirty="0"/>
+              <a:t> probably the source of the issue is located into the “time-invariant” nature of LABOR and LAND.</a:t>
+            </a:r>
+            <a:endParaRPr lang="en-GB" sz="1600" i="1" dirty="0"/>
           </a:p>
           <a:p>
             <a:pPr marL="0" indent="0">
@@ -4644,8 +7038,13 @@
             </a:pPr>
             <a:r>
               <a:rPr lang="en-GB" sz="1600" dirty="0"/>
-              <a:t>There is the possibility that the data is not collected correctly or there is some transformation of the data that I did not understand. No detailed study about the data has been found on the internet (it is actually one of the reason for the selection of the dataset).</a:t>
+              <a:t>There is the possibility that the data is not collected correctly or there is some transformation of the data that I was not understood in this job. No detailed study about the data has been found on the internet (it is actually one of the reason for the selection of the dataset) so no other study have been sued </a:t>
             </a:r>
+            <a:r>
+              <a:rPr lang="en-GB" sz="1600"/>
+              <a:t>for comparison.</a:t>
+            </a:r>
+            <a:endParaRPr lang="en-GB" sz="1600" dirty="0"/>
           </a:p>
           <a:p>
             <a:pPr marL="0" indent="0">
@@ -4668,7 +7067,7 @@
 </p:sld>
 </file>
 
-<file path=ppt/slides/slide11.xml><?xml version="1.0" encoding="utf-8"?>
+<file path=ppt/slides/slide13.xml><?xml version="1.0" encoding="utf-8"?>
 <p:sld xmlns:a="http://schemas.openxmlformats.org/drawingml/2006/main" xmlns:r="http://schemas.openxmlformats.org/officeDocument/2006/relationships" xmlns:p="http://schemas.openxmlformats.org/presentationml/2006/main">
   <p:cSld>
     <p:spTree>
@@ -8395,7 +10794,7 @@
         <p:spPr>
           <a:xfrm>
             <a:off x="838199" y="1825624"/>
-            <a:ext cx="10853691" cy="349405"/>
+            <a:ext cx="10853691" cy="766656"/>
           </a:xfrm>
         </p:spPr>
         <p:txBody>
@@ -8418,11 +10817,15 @@
             </a:pPr>
             <a:r>
               <a:rPr lang="en-GB" sz="1600" b="1" u="sng" dirty="0"/>
-              <a:t>NOTE: </a:t>
+              <a:t>NOTE:</a:t>
+            </a:r>
+            <a:r>
+              <a:rPr lang="en-GB" sz="1600" b="1" dirty="0"/>
+              <a:t> </a:t>
             </a:r>
             <a:r>
               <a:rPr lang="en-GB" sz="1600" dirty="0"/>
-              <a:t>there is a strong multicollinearity between FEED and COWS so FEED won’t be used.</a:t>
+              <a:t>there is a strong multicollinearity between FEED and COWS so FEED won’t be used in this presentation.</a:t>
             </a:r>
             <a:endParaRPr lang="en-GB" sz="1600" b="1" u="sng" dirty="0"/>
           </a:p>
@@ -8770,7 +11173,31 @@
             </a:pPr>
             <a:r>
               <a:rPr lang="en-GB" sz="1600" dirty="0"/>
-              <a:t>The goal of this project is to determine the effect of COWS, LAND and LABOUR on the amount of MILK produced by the farms.  The model that will be selected should be able to estimate what an increase of one of the independent variable will be reflected on the dependent variable.</a:t>
+              <a:t>The goal of this project is to determine the effect of </a:t>
+            </a:r>
+            <a:r>
+              <a:rPr lang="en-GB" sz="1600" b="1" dirty="0"/>
+              <a:t>COWS</a:t>
+            </a:r>
+            <a:r>
+              <a:rPr lang="en-GB" sz="1600" dirty="0"/>
+              <a:t>, </a:t>
+            </a:r>
+            <a:r>
+              <a:rPr lang="en-GB" sz="1600" b="1" dirty="0"/>
+              <a:t>LAND</a:t>
+            </a:r>
+            <a:r>
+              <a:rPr lang="en-GB" sz="1600" dirty="0"/>
+              <a:t> and </a:t>
+            </a:r>
+            <a:r>
+              <a:rPr lang="en-GB" sz="1600" b="1" dirty="0"/>
+              <a:t>LABOUR</a:t>
+            </a:r>
+            <a:r>
+              <a:rPr lang="en-GB" sz="1600" dirty="0"/>
+              <a:t> on the amount of MILK produced by the farms.  The model that will be selected should be able to estimate how an increase of one of the independent variable will be reflected on the dependent variable.</a:t>
             </a:r>
           </a:p>
           <a:p>
@@ -8827,7 +11254,7 @@
           <a:p>
             <a:r>
               <a:rPr lang="en-GB" sz="1600" dirty="0"/>
-              <a:t>FE and RE models are used to control for unobserved time-invariant heterogeneity (something within the FARMS may impact or bias the regressors or outcome variable); they are going to be tested and compared with Hausman test.</a:t>
+              <a:t>FE and RE models are used to control for unobserved time-invariant heterogeneity (something within the FARMS may impact or bias the regressors or outcome variable).</a:t>
             </a:r>
             <a:br>
               <a:rPr lang="en-GB" sz="1600" dirty="0"/>
@@ -8857,7 +11284,39 @@
             </a:pPr>
             <a:r>
               <a:rPr lang="en-GB" sz="1600" dirty="0"/>
-              <a:t>Possible unobserved time-invariant variables: farmer age, cows age, cows race, land topography etc.</a:t>
+              <a:t>Possible unobserved time-invariant variables: </a:t>
+            </a:r>
+            <a:r>
+              <a:rPr lang="en-GB" sz="1600" b="1" dirty="0"/>
+              <a:t>farmer age</a:t>
+            </a:r>
+            <a:r>
+              <a:rPr lang="en-GB" sz="1600" dirty="0"/>
+              <a:t>, </a:t>
+            </a:r>
+            <a:r>
+              <a:rPr lang="en-GB" sz="1600" b="1" dirty="0"/>
+              <a:t>cows age</a:t>
+            </a:r>
+            <a:r>
+              <a:rPr lang="en-GB" sz="1600" dirty="0"/>
+              <a:t>, </a:t>
+            </a:r>
+            <a:r>
+              <a:rPr lang="en-GB" sz="1600" b="1" dirty="0"/>
+              <a:t>cows race</a:t>
+            </a:r>
+            <a:r>
+              <a:rPr lang="en-GB" sz="1600" dirty="0"/>
+              <a:t>, </a:t>
+            </a:r>
+            <a:r>
+              <a:rPr lang="en-GB" sz="1600" b="1" dirty="0"/>
+              <a:t>land topography </a:t>
+            </a:r>
+            <a:r>
+              <a:rPr lang="en-GB" sz="1600" dirty="0"/>
+              <a:t>etc.</a:t>
             </a:r>
           </a:p>
         </p:txBody>
@@ -8950,8 +11409,8 @@
           </a:p>
         </p:txBody>
       </p:sp>
-      <mc:AlternateContent xmlns:mc="http://schemas.openxmlformats.org/markup-compatibility/2006">
-        <mc:Choice xmlns:a14="http://schemas.microsoft.com/office/drawing/2010/main" Requires="a14">
+      <mc:AlternateContent xmlns:mc="http://schemas.openxmlformats.org/markup-compatibility/2006" xmlns:a14="http://schemas.microsoft.com/office/drawing/2010/main">
+        <mc:Choice Requires="a14">
           <p:sp>
             <p:nvSpPr>
               <p:cNvPr id="3" name="Content Placeholder 2">
@@ -9156,7 +11615,7 @@
             </p:txBody>
           </p:sp>
         </mc:Choice>
-        <mc:Fallback>
+        <mc:Fallback xmlns="">
           <p:sp>
             <p:nvSpPr>
               <p:cNvPr id="3" name="Content Placeholder 2">
@@ -9727,8 +12186,8 @@
           </a:p>
         </p:txBody>
       </p:sp>
-      <mc:AlternateContent xmlns:mc="http://schemas.openxmlformats.org/markup-compatibility/2006">
-        <mc:Choice xmlns:a14="http://schemas.microsoft.com/office/drawing/2010/main" Requires="a14">
+      <mc:AlternateContent xmlns:mc="http://schemas.openxmlformats.org/markup-compatibility/2006" xmlns:a14="http://schemas.microsoft.com/office/drawing/2010/main">
+        <mc:Choice Requires="a14">
           <p:sp>
             <p:nvSpPr>
               <p:cNvPr id="3" name="Content Placeholder 2">
@@ -10069,7 +12528,7 @@
             </p:txBody>
           </p:sp>
         </mc:Choice>
-        <mc:Fallback>
+        <mc:Fallback xmlns="">
           <p:sp>
             <p:nvSpPr>
               <p:cNvPr id="3" name="Content Placeholder 2">
@@ -10603,8 +13062,8 @@
           </a:p>
         </p:txBody>
       </p:sp>
-      <mc:AlternateContent xmlns:mc="http://schemas.openxmlformats.org/markup-compatibility/2006">
-        <mc:Choice xmlns:a14="http://schemas.microsoft.com/office/drawing/2010/main" Requires="a14">
+      <mc:AlternateContent xmlns:mc="http://schemas.openxmlformats.org/markup-compatibility/2006" xmlns:a14="http://schemas.microsoft.com/office/drawing/2010/main">
+        <mc:Choice Requires="a14">
           <p:sp>
             <p:nvSpPr>
               <p:cNvPr id="3" name="Content Placeholder 2">
@@ -11097,13 +13556,7 @@
                         <a:rPr lang="en-GB" sz="1600" b="0" i="1" smtClean="0">
                           <a:latin typeface="Cambria Math" panose="02040503050406030204" pitchFamily="18" charset="0"/>
                         </a:rPr>
-                        <m:t>…</m:t>
-                      </m:r>
-                      <m:r>
-                        <a:rPr lang="en-GB" sz="1600" b="0" i="1" smtClean="0">
-                          <a:latin typeface="Cambria Math" panose="02040503050406030204" pitchFamily="18" charset="0"/>
-                        </a:rPr>
-                        <m:t>+</m:t>
+                        <m:t>…+</m:t>
                       </m:r>
                       <m:sSub>
                         <m:sSubPr>
@@ -11144,7 +13597,7 @@
             </p:txBody>
           </p:sp>
         </mc:Choice>
-        <mc:Fallback>
+        <mc:Fallback xmlns="">
           <p:sp>
             <p:nvSpPr>
               <p:cNvPr id="3" name="Content Placeholder 2">
@@ -11439,8 +13892,8 @@
         </p:nvSpPr>
         <p:spPr>
           <a:xfrm>
-            <a:off x="5985674" y="3442669"/>
-            <a:ext cx="5174551" cy="959071"/>
+            <a:off x="5985674" y="2871583"/>
+            <a:ext cx="5706211" cy="3853073"/>
           </a:xfrm>
           <a:prstGeom prst="rect">
             <a:avLst/>
@@ -11629,15 +14082,8 @@
             </a:r>
             <a:r>
               <a:rPr lang="en-GB" sz="1600" dirty="0"/>
-              <a:t> both coefficients for land and labour become statistically not-significant anymore, meaning that there is not sufficient evidence to say that are different from zero.</a:t>
+              <a:t> both coefficients for LAND and LABOR become statistically not-significant anymore, meaning that there is not sufficient evidence to demonstrate that are different from zero.</a:t>
             </a:r>
-          </a:p>
-          <a:p>
-            <a:pPr marL="0" indent="0">
-              <a:buFont typeface="Arial" panose="020B0604020202020204" pitchFamily="34" charset="0"/>
-              <a:buNone/>
-            </a:pPr>
-            <a:endParaRPr lang="en-GB" sz="1600" dirty="0"/>
           </a:p>
           <a:p>
             <a:pPr marL="0" indent="0">
@@ -11652,19 +14098,42 @@
           <a:p>
             <a:r>
               <a:rPr lang="en-GB" sz="1600" dirty="0"/>
-              <a:t>The model is too simple? Try adding interaction terms.</a:t>
+              <a:t>The model is too simple? Try specifying a different model for the data (next analysis).</a:t>
             </a:r>
           </a:p>
           <a:p>
             <a:r>
               <a:rPr lang="en-GB" sz="1600" dirty="0"/>
-              <a:t>The data is not reflecting the reality. There is no way to perform this test.</a:t>
+              <a:t>LABOR and LAND are time invariant?</a:t>
             </a:r>
-          </a:p>
-          <a:p>
+            <a:br>
+              <a:rPr lang="en-GB" sz="1600" dirty="0"/>
+            </a:br>
             <a:r>
               <a:rPr lang="en-GB" sz="1600" dirty="0"/>
-              <a:t>LABOR variable assumes only 12 different values; is it strange?</a:t>
+              <a:t>Both LABOR and LAND variable do not change a lot in the dataset; maybe the </a:t>
+            </a:r>
+            <a:r>
+              <a:rPr lang="en-GB" sz="1600" i="1" dirty="0"/>
+              <a:t>demeaning</a:t>
+            </a:r>
+            <a:r>
+              <a:rPr lang="en-GB" sz="1600" dirty="0"/>
+              <a:t> procedure can reduce the variables “close-to-zero” and this causes the issue.</a:t>
+            </a:r>
+            <a:br>
+              <a:rPr lang="en-GB" sz="1600" dirty="0"/>
+            </a:br>
+            <a:r>
+              <a:rPr lang="en-GB" sz="1600" dirty="0"/>
+              <a:t>See next slide.</a:t>
+            </a:r>
+            <a:endParaRPr lang="en-GB" sz="1600" i="1" dirty="0"/>
+          </a:p>
+          <a:p>
+            <a:r>
+              <a:rPr lang="en-GB" sz="1600" dirty="0"/>
+              <a:t>The data is not reflecting the reality and maybe there is some issue in data acquisition.</a:t>
             </a:r>
           </a:p>
           <a:p>
@@ -11720,36 +14189,6 @@
           <a:chExt cx="0" cy="0"/>
         </a:xfrm>
       </p:grpSpPr>
-      <p:pic>
-        <p:nvPicPr>
-          <p:cNvPr id="6" name="Picture 5">
-            <a:extLst>
-              <a:ext uri="{FF2B5EF4-FFF2-40B4-BE49-F238E27FC236}">
-                <a16:creationId xmlns:a16="http://schemas.microsoft.com/office/drawing/2014/main" id="{2C4475E3-FE1F-44F1-A0EF-DFD0F7321AE0}"/>
-              </a:ext>
-            </a:extLst>
-          </p:cNvPr>
-          <p:cNvPicPr>
-            <a:picLocks noChangeAspect="1"/>
-          </p:cNvPicPr>
-          <p:nvPr/>
-        </p:nvPicPr>
-        <p:blipFill>
-          <a:blip r:embed="rId3"/>
-          <a:stretch>
-            <a:fillRect/>
-          </a:stretch>
-        </p:blipFill>
-        <p:spPr>
-          <a:xfrm>
-            <a:off x="1204788" y="2965448"/>
-            <a:ext cx="3864648" cy="3892552"/>
-          </a:xfrm>
-          <a:prstGeom prst="rect">
-            <a:avLst/>
-          </a:prstGeom>
-        </p:spPr>
-      </p:pic>
       <p:sp>
         <p:nvSpPr>
           <p:cNvPr id="2" name="Title 1">
@@ -11778,804 +14217,86 @@
           </a:p>
         </p:txBody>
       </p:sp>
-      <mc:AlternateContent xmlns:mc="http://schemas.openxmlformats.org/markup-compatibility/2006">
-        <mc:Choice xmlns:a14="http://schemas.microsoft.com/office/drawing/2010/main" Requires="a14">
-          <p:sp>
-            <p:nvSpPr>
-              <p:cNvPr id="3" name="Content Placeholder 2">
-                <a:extLst>
-                  <a:ext uri="{FF2B5EF4-FFF2-40B4-BE49-F238E27FC236}">
-                    <a16:creationId xmlns:a16="http://schemas.microsoft.com/office/drawing/2014/main" id="{06DFED4D-96F1-41C7-BB6A-724DB72156A7}"/>
-                  </a:ext>
-                </a:extLst>
-              </p:cNvPr>
-              <p:cNvSpPr>
-                <a:spLocks noGrp="1"/>
-              </p:cNvSpPr>
-              <p:nvPr>
-                <p:ph idx="1"/>
-              </p:nvPr>
-            </p:nvSpPr>
-            <p:spPr>
-              <a:xfrm>
-                <a:off x="838199" y="1476218"/>
-                <a:ext cx="10853691" cy="1325563"/>
-              </a:xfrm>
-            </p:spPr>
-            <p:txBody>
-              <a:bodyPr>
-                <a:noAutofit/>
-              </a:bodyPr>
-              <a:lstStyle/>
-              <a:p>
-                <a:pPr marL="0" indent="0">
-                  <a:buNone/>
-                </a:pPr>
-                <a:r>
-                  <a:rPr lang="en-GB" sz="1600" dirty="0"/>
-                  <a:t>The fourth methodology tested is the fixed effect applied to panel data. This methodology does not use the </a:t>
-                </a:r>
-                <a:r>
-                  <a:rPr lang="en-GB" sz="1600" i="1" dirty="0"/>
-                  <a:t>demeaning </a:t>
-                </a:r>
-                <a:r>
-                  <a:rPr lang="en-GB" sz="1600" dirty="0"/>
-                  <a:t>procedure to suppress the effect of the term </a:t>
-                </a:r>
-                <a14:m>
-                  <m:oMath xmlns:m="http://schemas.openxmlformats.org/officeDocument/2006/math">
-                    <m:sSub>
-                      <m:sSubPr>
-                        <m:ctrlPr>
-                          <a:rPr lang="en-GB" sz="1600" b="0" i="1" smtClean="0">
-                            <a:latin typeface="Cambria Math" panose="02040503050406030204" pitchFamily="18" charset="0"/>
-                          </a:rPr>
-                        </m:ctrlPr>
-                      </m:sSubPr>
-                      <m:e>
-                        <m:r>
-                          <a:rPr lang="en-GB" sz="1600" b="0" i="1" smtClean="0">
-                            <a:latin typeface="Cambria Math" panose="02040503050406030204" pitchFamily="18" charset="0"/>
-                          </a:rPr>
-                          <m:t>𝛼</m:t>
-                        </m:r>
-                      </m:e>
-                      <m:sub>
-                        <m:r>
-                          <a:rPr lang="en-GB" sz="1600" b="0" i="1" smtClean="0">
-                            <a:latin typeface="Cambria Math" panose="02040503050406030204" pitchFamily="18" charset="0"/>
-                          </a:rPr>
-                          <m:t>𝑖</m:t>
-                        </m:r>
-                      </m:sub>
-                    </m:sSub>
-                  </m:oMath>
-                </a14:m>
-                <a:r>
-                  <a:rPr lang="en-GB" sz="1600" dirty="0"/>
-                  <a:t> in the equation below but it </a:t>
-                </a:r>
-                <a:r>
-                  <a:rPr lang="en-GB" sz="1600" b="1" dirty="0"/>
-                  <a:t>assumes that is not correlated with any regressors or outcome variable</a:t>
-                </a:r>
-                <a:r>
-                  <a:rPr lang="en-GB" sz="1600" dirty="0"/>
-                  <a:t>.</a:t>
-                </a:r>
-              </a:p>
-              <a:p>
-                <a:pPr marL="0" indent="0">
-                  <a:buNone/>
-                </a:pPr>
-                <a:endParaRPr lang="en-GB" sz="1600" dirty="0"/>
-              </a:p>
-              <a:p>
-                <a:pPr marL="0" indent="0">
-                  <a:buNone/>
-                </a:pPr>
-                <a14:m>
-                  <m:oMathPara xmlns:m="http://schemas.openxmlformats.org/officeDocument/2006/math">
-                    <m:oMathParaPr>
-                      <m:jc m:val="left"/>
-                    </m:oMathParaPr>
-                    <m:oMath xmlns:m="http://schemas.openxmlformats.org/officeDocument/2006/math">
-                      <m:r>
-                        <a:rPr lang="en-GB" sz="1600" b="0" i="1" smtClean="0">
-                          <a:latin typeface="Cambria Math" panose="02040503050406030204" pitchFamily="18" charset="0"/>
-                        </a:rPr>
-                        <m:t>𝑚𝑖𝑙</m:t>
-                      </m:r>
-                      <m:sSub>
-                        <m:sSubPr>
-                          <m:ctrlPr>
-                            <a:rPr lang="en-GB" sz="1600" b="0" i="1" smtClean="0">
-                              <a:latin typeface="Cambria Math" panose="02040503050406030204" pitchFamily="18" charset="0"/>
-                            </a:rPr>
-                          </m:ctrlPr>
-                        </m:sSubPr>
-                        <m:e>
-                          <m:r>
-                            <a:rPr lang="en-GB" sz="1600" b="0" i="1" smtClean="0">
-                              <a:latin typeface="Cambria Math" panose="02040503050406030204" pitchFamily="18" charset="0"/>
-                            </a:rPr>
-                            <m:t>𝑘</m:t>
-                          </m:r>
-                        </m:e>
-                        <m:sub>
-                          <m:r>
-                            <a:rPr lang="en-GB" sz="1600" b="0" i="1" smtClean="0">
-                              <a:latin typeface="Cambria Math" panose="02040503050406030204" pitchFamily="18" charset="0"/>
-                            </a:rPr>
-                            <m:t>𝑖𝑡</m:t>
-                          </m:r>
-                        </m:sub>
-                      </m:sSub>
-                      <m:r>
-                        <a:rPr lang="en-GB" sz="1600" b="0" i="1" smtClean="0">
-                          <a:latin typeface="Cambria Math" panose="02040503050406030204" pitchFamily="18" charset="0"/>
-                        </a:rPr>
-                        <m:t>=</m:t>
-                      </m:r>
-                      <m:sSub>
-                        <m:sSubPr>
-                          <m:ctrlPr>
-                            <a:rPr lang="en-GB" sz="1600" b="0" i="1" smtClean="0">
-                              <a:latin typeface="Cambria Math" panose="02040503050406030204" pitchFamily="18" charset="0"/>
-                            </a:rPr>
-                          </m:ctrlPr>
-                        </m:sSubPr>
-                        <m:e>
-                          <m:r>
-                            <a:rPr lang="en-GB" sz="1600" b="0" i="1" smtClean="0">
-                              <a:latin typeface="Cambria Math" panose="02040503050406030204" pitchFamily="18" charset="0"/>
-                            </a:rPr>
-                            <m:t>𝛽</m:t>
-                          </m:r>
-                        </m:e>
-                        <m:sub>
-                          <m:r>
-                            <a:rPr lang="en-GB" sz="1600" b="0" i="1" smtClean="0">
-                              <a:latin typeface="Cambria Math" panose="02040503050406030204" pitchFamily="18" charset="0"/>
-                            </a:rPr>
-                            <m:t>𝐶𝑂𝑊𝑆</m:t>
-                          </m:r>
-                          <m:r>
-                            <a:rPr lang="en-GB" sz="1600" b="0" i="1" smtClean="0">
-                              <a:latin typeface="Cambria Math" panose="02040503050406030204" pitchFamily="18" charset="0"/>
-                            </a:rPr>
-                            <m:t>−</m:t>
-                          </m:r>
-                          <m:r>
-                            <a:rPr lang="en-GB" sz="1600" b="0" i="1" smtClean="0">
-                              <a:latin typeface="Cambria Math" panose="02040503050406030204" pitchFamily="18" charset="0"/>
-                            </a:rPr>
-                            <m:t>𝑖𝑡</m:t>
-                          </m:r>
-                        </m:sub>
-                      </m:sSub>
-                      <m:r>
-                        <a:rPr lang="en-GB" sz="1600" b="0" i="1" smtClean="0">
-                          <a:latin typeface="Cambria Math" panose="02040503050406030204" pitchFamily="18" charset="0"/>
-                        </a:rPr>
-                        <m:t>⋅</m:t>
-                      </m:r>
-                      <m:r>
-                        <a:rPr lang="en-GB" sz="1600" b="0" i="1" smtClean="0">
-                          <a:latin typeface="Cambria Math" panose="02040503050406030204" pitchFamily="18" charset="0"/>
-                        </a:rPr>
-                        <m:t>𝐶𝑂𝑊</m:t>
-                      </m:r>
-                      <m:sSub>
-                        <m:sSubPr>
-                          <m:ctrlPr>
-                            <a:rPr lang="en-GB" sz="1600" b="0" i="1" smtClean="0">
-                              <a:latin typeface="Cambria Math" panose="02040503050406030204" pitchFamily="18" charset="0"/>
-                            </a:rPr>
-                          </m:ctrlPr>
-                        </m:sSubPr>
-                        <m:e>
-                          <m:r>
-                            <a:rPr lang="en-GB" sz="1600" b="0" i="1" smtClean="0">
-                              <a:latin typeface="Cambria Math" panose="02040503050406030204" pitchFamily="18" charset="0"/>
-                            </a:rPr>
-                            <m:t>𝑆</m:t>
-                          </m:r>
-                        </m:e>
-                        <m:sub>
-                          <m:r>
-                            <a:rPr lang="en-GB" sz="1600" b="0" i="1" smtClean="0">
-                              <a:latin typeface="Cambria Math" panose="02040503050406030204" pitchFamily="18" charset="0"/>
-                            </a:rPr>
-                            <m:t>𝑖𝑡</m:t>
-                          </m:r>
-                        </m:sub>
-                      </m:sSub>
-                      <m:r>
-                        <a:rPr lang="en-GB" sz="1600" b="0" i="1" smtClean="0">
-                          <a:latin typeface="Cambria Math" panose="02040503050406030204" pitchFamily="18" charset="0"/>
-                        </a:rPr>
-                        <m:t>+</m:t>
-                      </m:r>
-                      <m:sSub>
-                        <m:sSubPr>
-                          <m:ctrlPr>
-                            <a:rPr lang="en-GB" sz="1600" i="1">
-                              <a:latin typeface="Cambria Math" panose="02040503050406030204" pitchFamily="18" charset="0"/>
-                            </a:rPr>
-                          </m:ctrlPr>
-                        </m:sSubPr>
-                        <m:e>
-                          <m:r>
-                            <a:rPr lang="en-GB" sz="1600" i="1">
-                              <a:latin typeface="Cambria Math" panose="02040503050406030204" pitchFamily="18" charset="0"/>
-                            </a:rPr>
-                            <m:t>𝛽</m:t>
-                          </m:r>
-                        </m:e>
-                        <m:sub>
-                          <m:r>
-                            <a:rPr lang="en-GB" sz="1600" b="0" i="1" smtClean="0">
-                              <a:latin typeface="Cambria Math" panose="02040503050406030204" pitchFamily="18" charset="0"/>
-                            </a:rPr>
-                            <m:t>𝐿𝐴𝑁𝐷</m:t>
-                          </m:r>
-                          <m:r>
-                            <a:rPr lang="en-GB" sz="1600" b="0" i="1" smtClean="0">
-                              <a:latin typeface="Cambria Math" panose="02040503050406030204" pitchFamily="18" charset="0"/>
-                            </a:rPr>
-                            <m:t>−</m:t>
-                          </m:r>
-                          <m:r>
-                            <a:rPr lang="en-GB" sz="1600" b="0" i="1" smtClean="0">
-                              <a:latin typeface="Cambria Math" panose="02040503050406030204" pitchFamily="18" charset="0"/>
-                            </a:rPr>
-                            <m:t>𝑖𝑡</m:t>
-                          </m:r>
-                        </m:sub>
-                      </m:sSub>
-                      <m:r>
-                        <a:rPr lang="en-GB" sz="1600" i="1">
-                          <a:latin typeface="Cambria Math" panose="02040503050406030204" pitchFamily="18" charset="0"/>
-                        </a:rPr>
-                        <m:t>⋅</m:t>
-                      </m:r>
-                      <m:r>
-                        <a:rPr lang="en-GB" sz="1600" b="0" i="1" smtClean="0">
-                          <a:latin typeface="Cambria Math" panose="02040503050406030204" pitchFamily="18" charset="0"/>
-                        </a:rPr>
-                        <m:t>𝐿𝐴𝑁</m:t>
-                      </m:r>
-                      <m:sSub>
-                        <m:sSubPr>
-                          <m:ctrlPr>
-                            <a:rPr lang="en-GB" sz="1600" b="0" i="1" smtClean="0">
-                              <a:latin typeface="Cambria Math" panose="02040503050406030204" pitchFamily="18" charset="0"/>
-                            </a:rPr>
-                          </m:ctrlPr>
-                        </m:sSubPr>
-                        <m:e>
-                          <m:r>
-                            <a:rPr lang="en-GB" sz="1600" b="0" i="1" smtClean="0">
-                              <a:latin typeface="Cambria Math" panose="02040503050406030204" pitchFamily="18" charset="0"/>
-                            </a:rPr>
-                            <m:t>𝐷</m:t>
-                          </m:r>
-                        </m:e>
-                        <m:sub>
-                          <m:r>
-                            <a:rPr lang="en-GB" sz="1600" b="0" i="1" smtClean="0">
-                              <a:latin typeface="Cambria Math" panose="02040503050406030204" pitchFamily="18" charset="0"/>
-                            </a:rPr>
-                            <m:t>𝑖𝑡</m:t>
-                          </m:r>
-                        </m:sub>
-                      </m:sSub>
-                      <m:r>
-                        <a:rPr lang="en-GB" sz="1600" b="0" i="1" smtClean="0">
-                          <a:latin typeface="Cambria Math" panose="02040503050406030204" pitchFamily="18" charset="0"/>
-                        </a:rPr>
-                        <m:t>+</m:t>
-                      </m:r>
-                      <m:sSub>
-                        <m:sSubPr>
-                          <m:ctrlPr>
-                            <a:rPr lang="en-GB" sz="1600" i="1">
-                              <a:latin typeface="Cambria Math" panose="02040503050406030204" pitchFamily="18" charset="0"/>
-                            </a:rPr>
-                          </m:ctrlPr>
-                        </m:sSubPr>
-                        <m:e>
-                          <m:r>
-                            <a:rPr lang="en-GB" sz="1600" i="1">
-                              <a:latin typeface="Cambria Math" panose="02040503050406030204" pitchFamily="18" charset="0"/>
-                            </a:rPr>
-                            <m:t>𝛽</m:t>
-                          </m:r>
-                        </m:e>
-                        <m:sub>
-                          <m:r>
-                            <a:rPr lang="en-GB" sz="1600" b="0" i="1" smtClean="0">
-                              <a:latin typeface="Cambria Math" panose="02040503050406030204" pitchFamily="18" charset="0"/>
-                            </a:rPr>
-                            <m:t>𝐿𝐴𝐵𝑂𝑈𝑅</m:t>
-                          </m:r>
-                          <m:r>
-                            <a:rPr lang="en-GB" sz="1600" b="0" i="1" smtClean="0">
-                              <a:latin typeface="Cambria Math" panose="02040503050406030204" pitchFamily="18" charset="0"/>
-                            </a:rPr>
-                            <m:t>−</m:t>
-                          </m:r>
-                          <m:r>
-                            <a:rPr lang="en-GB" sz="1600" b="0" i="1" smtClean="0">
-                              <a:latin typeface="Cambria Math" panose="02040503050406030204" pitchFamily="18" charset="0"/>
-                            </a:rPr>
-                            <m:t>𝑖𝑡</m:t>
-                          </m:r>
-                        </m:sub>
-                      </m:sSub>
-                      <m:r>
-                        <a:rPr lang="en-GB" sz="1600" i="1">
-                          <a:latin typeface="Cambria Math" panose="02040503050406030204" pitchFamily="18" charset="0"/>
-                        </a:rPr>
-                        <m:t>⋅</m:t>
-                      </m:r>
-                      <m:r>
-                        <a:rPr lang="en-GB" sz="1600" b="0" i="1" smtClean="0">
-                          <a:latin typeface="Cambria Math" panose="02040503050406030204" pitchFamily="18" charset="0"/>
-                        </a:rPr>
-                        <m:t>𝐿𝐴𝐵𝑂𝑈</m:t>
-                      </m:r>
-                      <m:sSub>
-                        <m:sSubPr>
-                          <m:ctrlPr>
-                            <a:rPr lang="en-GB" sz="1600" b="0" i="1" smtClean="0">
-                              <a:latin typeface="Cambria Math" panose="02040503050406030204" pitchFamily="18" charset="0"/>
-                            </a:rPr>
-                          </m:ctrlPr>
-                        </m:sSubPr>
-                        <m:e>
-                          <m:r>
-                            <a:rPr lang="en-GB" sz="1600" b="0" i="1" smtClean="0">
-                              <a:latin typeface="Cambria Math" panose="02040503050406030204" pitchFamily="18" charset="0"/>
-                            </a:rPr>
-                            <m:t>𝑅</m:t>
-                          </m:r>
-                        </m:e>
-                        <m:sub>
-                          <m:r>
-                            <a:rPr lang="en-GB" sz="1600" b="0" i="1" smtClean="0">
-                              <a:latin typeface="Cambria Math" panose="02040503050406030204" pitchFamily="18" charset="0"/>
-                            </a:rPr>
-                            <m:t>𝑖𝑡</m:t>
-                          </m:r>
-                        </m:sub>
-                      </m:sSub>
-                      <m:r>
-                        <a:rPr lang="en-GB" sz="1600" b="0" i="1" smtClean="0">
-                          <a:latin typeface="Cambria Math" panose="02040503050406030204" pitchFamily="18" charset="0"/>
-                        </a:rPr>
-                        <m:t>+</m:t>
-                      </m:r>
-                      <m:sSub>
-                        <m:sSubPr>
-                          <m:ctrlPr>
-                            <a:rPr lang="en-GB" sz="1600" b="0" i="1" smtClean="0">
-                              <a:latin typeface="Cambria Math" panose="02040503050406030204" pitchFamily="18" charset="0"/>
-                            </a:rPr>
-                          </m:ctrlPr>
-                        </m:sSubPr>
-                        <m:e>
-                          <m:r>
-                            <a:rPr lang="en-GB" sz="1600" b="0" i="1" smtClean="0">
-                              <a:latin typeface="Cambria Math" panose="02040503050406030204" pitchFamily="18" charset="0"/>
-                            </a:rPr>
-                            <m:t>𝛽</m:t>
-                          </m:r>
-                        </m:e>
-                        <m:sub>
-                          <m:r>
-                            <a:rPr lang="en-GB" sz="1600" b="0" i="1" smtClean="0">
-                              <a:latin typeface="Cambria Math" panose="02040503050406030204" pitchFamily="18" charset="0"/>
-                            </a:rPr>
-                            <m:t>94</m:t>
-                          </m:r>
-                        </m:sub>
-                      </m:sSub>
-                      <m:r>
-                        <a:rPr lang="en-GB" sz="1600" b="0" i="1" smtClean="0">
-                          <a:latin typeface="Cambria Math" panose="02040503050406030204" pitchFamily="18" charset="0"/>
-                        </a:rPr>
-                        <m:t>⋅</m:t>
-                      </m:r>
-                      <m:sSub>
-                        <m:sSubPr>
-                          <m:ctrlPr>
-                            <a:rPr lang="en-GB" sz="1600" b="0" i="1" smtClean="0">
-                              <a:latin typeface="Cambria Math" panose="02040503050406030204" pitchFamily="18" charset="0"/>
-                            </a:rPr>
-                          </m:ctrlPr>
-                        </m:sSubPr>
-                        <m:e>
-                          <m:r>
-                            <a:rPr lang="en-GB" sz="1600" b="0" i="1" smtClean="0">
-                              <a:latin typeface="Cambria Math" panose="02040503050406030204" pitchFamily="18" charset="0"/>
-                            </a:rPr>
-                            <m:t>𝑌</m:t>
-                          </m:r>
-                        </m:e>
-                        <m:sub>
-                          <m:r>
-                            <a:rPr lang="en-GB" sz="1600" b="0" i="1" smtClean="0">
-                              <a:latin typeface="Cambria Math" panose="02040503050406030204" pitchFamily="18" charset="0"/>
-                            </a:rPr>
-                            <m:t>94</m:t>
-                          </m:r>
-                        </m:sub>
-                      </m:sSub>
-                      <m:r>
-                        <a:rPr lang="en-GB" sz="1600" b="0" i="1" smtClean="0">
-                          <a:latin typeface="Cambria Math" panose="02040503050406030204" pitchFamily="18" charset="0"/>
-                        </a:rPr>
-                        <m:t>+</m:t>
-                      </m:r>
-                      <m:sSub>
-                        <m:sSubPr>
-                          <m:ctrlPr>
-                            <a:rPr lang="en-GB" sz="1600" b="0" i="1" smtClean="0">
-                              <a:latin typeface="Cambria Math" panose="02040503050406030204" pitchFamily="18" charset="0"/>
-                            </a:rPr>
-                          </m:ctrlPr>
-                        </m:sSubPr>
-                        <m:e>
-                          <m:r>
-                            <a:rPr lang="en-GB" sz="1600" b="0" i="1" smtClean="0">
-                              <a:latin typeface="Cambria Math" panose="02040503050406030204" pitchFamily="18" charset="0"/>
-                            </a:rPr>
-                            <m:t>𝛽</m:t>
-                          </m:r>
-                        </m:e>
-                        <m:sub>
-                          <m:r>
-                            <a:rPr lang="en-GB" sz="1600" b="0" i="1" smtClean="0">
-                              <a:latin typeface="Cambria Math" panose="02040503050406030204" pitchFamily="18" charset="0"/>
-                            </a:rPr>
-                            <m:t>95</m:t>
-                          </m:r>
-                        </m:sub>
-                      </m:sSub>
-                      <m:r>
-                        <a:rPr lang="en-GB" sz="1600" b="0" i="1" smtClean="0">
-                          <a:latin typeface="Cambria Math" panose="02040503050406030204" pitchFamily="18" charset="0"/>
-                        </a:rPr>
-                        <m:t>⋅</m:t>
-                      </m:r>
-                      <m:sSub>
-                        <m:sSubPr>
-                          <m:ctrlPr>
-                            <a:rPr lang="en-GB" sz="1600" b="0" i="1" smtClean="0">
-                              <a:latin typeface="Cambria Math" panose="02040503050406030204" pitchFamily="18" charset="0"/>
-                            </a:rPr>
-                          </m:ctrlPr>
-                        </m:sSubPr>
-                        <m:e>
-                          <m:r>
-                            <a:rPr lang="en-GB" sz="1600" b="0" i="1" smtClean="0">
-                              <a:latin typeface="Cambria Math" panose="02040503050406030204" pitchFamily="18" charset="0"/>
-                            </a:rPr>
-                            <m:t>𝑌</m:t>
-                          </m:r>
-                        </m:e>
-                        <m:sub>
-                          <m:r>
-                            <a:rPr lang="en-GB" sz="1600" b="0" i="1" smtClean="0">
-                              <a:latin typeface="Cambria Math" panose="02040503050406030204" pitchFamily="18" charset="0"/>
-                            </a:rPr>
-                            <m:t>95</m:t>
-                          </m:r>
-                        </m:sub>
-                      </m:sSub>
-                      <m:r>
-                        <a:rPr lang="en-GB" sz="1600" b="0" i="1" smtClean="0">
-                          <a:latin typeface="Cambria Math" panose="02040503050406030204" pitchFamily="18" charset="0"/>
-                        </a:rPr>
-                        <m:t>…+</m:t>
-                      </m:r>
-                      <m:sSub>
-                        <m:sSubPr>
-                          <m:ctrlPr>
-                            <a:rPr lang="en-GB" sz="1600" b="0" i="1" smtClean="0">
-                              <a:latin typeface="Cambria Math" panose="02040503050406030204" pitchFamily="18" charset="0"/>
-                            </a:rPr>
-                          </m:ctrlPr>
-                        </m:sSubPr>
-                        <m:e>
-                          <m:r>
-                            <a:rPr lang="en-GB" sz="1600" b="0" i="1" smtClean="0">
-                              <a:latin typeface="Cambria Math" panose="02040503050406030204" pitchFamily="18" charset="0"/>
-                            </a:rPr>
-                            <m:t>𝛼</m:t>
-                          </m:r>
-                        </m:e>
-                        <m:sub>
-                          <m:r>
-                            <a:rPr lang="en-GB" sz="1600" b="0" i="1" smtClean="0">
-                              <a:latin typeface="Cambria Math" panose="02040503050406030204" pitchFamily="18" charset="0"/>
-                            </a:rPr>
-                            <m:t>𝑖</m:t>
-                          </m:r>
-                        </m:sub>
-                      </m:sSub>
-                    </m:oMath>
-                  </m:oMathPara>
-                </a14:m>
-                <a:endParaRPr lang="en-GB" sz="1600" dirty="0"/>
-              </a:p>
-              <a:p>
-                <a:pPr marL="0" indent="0">
-                  <a:buNone/>
-                </a:pPr>
-                <a:endParaRPr lang="en-GB" sz="1600" b="1" u="sng" dirty="0"/>
-              </a:p>
-            </p:txBody>
-          </p:sp>
-        </mc:Choice>
-        <mc:Fallback>
-          <p:sp>
-            <p:nvSpPr>
-              <p:cNvPr id="3" name="Content Placeholder 2">
-                <a:extLst>
-                  <a:ext uri="{FF2B5EF4-FFF2-40B4-BE49-F238E27FC236}">
-                    <a16:creationId xmlns:a16="http://schemas.microsoft.com/office/drawing/2014/main" id="{06DFED4D-96F1-41C7-BB6A-724DB72156A7}"/>
-                  </a:ext>
-                </a:extLst>
-              </p:cNvPr>
-              <p:cNvSpPr>
-                <a:spLocks noGrp="1" noRot="1" noChangeAspect="1" noMove="1" noResize="1" noEditPoints="1" noAdjustHandles="1" noChangeArrowheads="1" noChangeShapeType="1" noTextEdit="1"/>
-              </p:cNvSpPr>
-              <p:nvPr>
-                <p:ph idx="1"/>
-              </p:nvPr>
-            </p:nvSpPr>
-            <p:spPr>
-              <a:xfrm>
-                <a:off x="838199" y="1476218"/>
-                <a:ext cx="10853691" cy="1325563"/>
-              </a:xfrm>
-              <a:blipFill>
-                <a:blip r:embed="rId4"/>
-                <a:stretch>
-                  <a:fillRect l="-281" t="-3211" b="-1835"/>
-                </a:stretch>
-              </a:blipFill>
-            </p:spPr>
-            <p:txBody>
-              <a:bodyPr/>
-              <a:lstStyle/>
-              <a:p>
-                <a:r>
-                  <a:rPr lang="en-GB">
-                    <a:noFill/>
-                  </a:rPr>
-                  <a:t> </a:t>
-                </a:r>
-              </a:p>
-            </p:txBody>
-          </p:sp>
-        </mc:Fallback>
-      </mc:AlternateContent>
       <p:sp>
         <p:nvSpPr>
-          <p:cNvPr id="13" name="Rectangle 12">
+          <p:cNvPr id="3" name="Content Placeholder 2">
             <a:extLst>
               <a:ext uri="{FF2B5EF4-FFF2-40B4-BE49-F238E27FC236}">
-                <a16:creationId xmlns:a16="http://schemas.microsoft.com/office/drawing/2014/main" id="{C57A7D7E-B2AB-4D1C-BD40-91950CB9F274}"/>
+                <a16:creationId xmlns:a16="http://schemas.microsoft.com/office/drawing/2014/main" id="{06DFED4D-96F1-41C7-BB6A-724DB72156A7}"/>
               </a:ext>
             </a:extLst>
           </p:cNvPr>
-          <p:cNvSpPr/>
-          <p:nvPr/>
+          <p:cNvSpPr>
+            <a:spLocks noGrp="1"/>
+          </p:cNvSpPr>
+          <p:nvPr>
+            <p:ph idx="1"/>
+          </p:nvPr>
         </p:nvSpPr>
         <p:spPr>
           <a:xfrm>
-            <a:off x="1464907" y="4843461"/>
-            <a:ext cx="3604530" cy="428907"/>
+            <a:off x="838199" y="1476218"/>
+            <a:ext cx="10853691" cy="494625"/>
+          </a:xfrm>
+        </p:spPr>
+        <p:txBody>
+          <a:bodyPr>
+            <a:noAutofit/>
+          </a:bodyPr>
+          <a:lstStyle/>
+          <a:p>
+            <a:pPr marL="0" indent="0">
+              <a:buNone/>
+            </a:pPr>
+            <a:r>
+              <a:rPr lang="en-GB" sz="1600" dirty="0"/>
+              <a:t>Here below there are two figures showing the demeaned LABOR and LAND demeaned variables.</a:t>
+            </a:r>
+          </a:p>
+          <a:p>
+            <a:pPr marL="0" indent="0">
+              <a:buNone/>
+            </a:pPr>
+            <a:endParaRPr lang="en-GB" sz="1600" b="1" u="sng" dirty="0"/>
+          </a:p>
+        </p:txBody>
+      </p:sp>
+      <p:pic>
+        <p:nvPicPr>
+          <p:cNvPr id="6" name="Picture 5">
+            <a:extLst>
+              <a:ext uri="{FF2B5EF4-FFF2-40B4-BE49-F238E27FC236}">
+                <a16:creationId xmlns:a16="http://schemas.microsoft.com/office/drawing/2014/main" id="{2742DCFD-DC95-4CBC-B2FC-3A527BF09D8F}"/>
+              </a:ext>
+            </a:extLst>
+          </p:cNvPr>
+          <p:cNvPicPr>
+            <a:picLocks noChangeAspect="1"/>
+          </p:cNvPicPr>
+          <p:nvPr/>
+        </p:nvPicPr>
+        <p:blipFill>
+          <a:blip r:embed="rId3"/>
+          <a:stretch>
+            <a:fillRect/>
+          </a:stretch>
+        </p:blipFill>
+        <p:spPr>
+          <a:xfrm>
+            <a:off x="749419" y="2193897"/>
+            <a:ext cx="5334744" cy="3943900"/>
           </a:xfrm>
           <a:prstGeom prst="rect">
             <a:avLst/>
           </a:prstGeom>
-          <a:noFill/>
-          <a:ln w="38100">
-            <a:solidFill>
-              <a:srgbClr val="FF0000"/>
-            </a:solidFill>
-          </a:ln>
         </p:spPr>
-        <p:style>
-          <a:lnRef idx="2">
-            <a:schemeClr val="accent1">
-              <a:shade val="50000"/>
-            </a:schemeClr>
-          </a:lnRef>
-          <a:fillRef idx="1">
-            <a:schemeClr val="accent1"/>
-          </a:fillRef>
-          <a:effectRef idx="0">
-            <a:schemeClr val="accent1"/>
-          </a:effectRef>
-          <a:fontRef idx="minor">
-            <a:schemeClr val="lt1"/>
-          </a:fontRef>
-        </p:style>
-        <p:txBody>
-          <a:bodyPr rtlCol="0" anchor="ctr"/>
-          <a:lstStyle/>
-          <a:p>
-            <a:pPr algn="ctr"/>
-            <a:endParaRPr lang="en-GB"/>
-          </a:p>
-        </p:txBody>
-      </p:sp>
-      <p:grpSp>
-        <p:nvGrpSpPr>
-          <p:cNvPr id="14" name="Group 13">
+      </p:pic>
+      <p:sp>
+        <p:nvSpPr>
+          <p:cNvPr id="24" name="Content Placeholder 2">
             <a:extLst>
               <a:ext uri="{FF2B5EF4-FFF2-40B4-BE49-F238E27FC236}">
-                <a16:creationId xmlns:a16="http://schemas.microsoft.com/office/drawing/2014/main" id="{B0CA2916-5F14-4D4D-9A40-FF50759577DF}"/>
-              </a:ext>
-            </a:extLst>
-          </p:cNvPr>
-          <p:cNvGrpSpPr/>
-          <p:nvPr/>
-        </p:nvGrpSpPr>
-        <p:grpSpPr>
-          <a:xfrm>
-            <a:off x="5149313" y="3661096"/>
-            <a:ext cx="575104" cy="1396818"/>
-            <a:chOff x="4021585" y="1790192"/>
-            <a:chExt cx="5120812" cy="4441933"/>
-          </a:xfrm>
-        </p:grpSpPr>
-        <p:cxnSp>
-          <p:nvCxnSpPr>
-            <p:cNvPr id="20" name="Straight Arrow Connector 19">
-              <a:extLst>
-                <a:ext uri="{FF2B5EF4-FFF2-40B4-BE49-F238E27FC236}">
-                  <a16:creationId xmlns:a16="http://schemas.microsoft.com/office/drawing/2014/main" id="{B29AD1BA-7103-4575-9250-FE0EB202EAE7}"/>
-                </a:ext>
-              </a:extLst>
-            </p:cNvPr>
-            <p:cNvCxnSpPr>
-              <a:cxnSpLocks/>
-            </p:cNvCxnSpPr>
-            <p:nvPr/>
-          </p:nvCxnSpPr>
-          <p:spPr>
-            <a:xfrm>
-              <a:off x="6095999" y="1790192"/>
-              <a:ext cx="3046398" cy="0"/>
-            </a:xfrm>
-            <a:prstGeom prst="straightConnector1">
-              <a:avLst/>
-            </a:prstGeom>
-            <a:ln>
-              <a:solidFill>
-                <a:srgbClr val="FF0000"/>
-              </a:solidFill>
-              <a:tailEnd type="triangle"/>
-            </a:ln>
-          </p:spPr>
-          <p:style>
-            <a:lnRef idx="1">
-              <a:schemeClr val="accent1"/>
-            </a:lnRef>
-            <a:fillRef idx="0">
-              <a:schemeClr val="accent1"/>
-            </a:fillRef>
-            <a:effectRef idx="0">
-              <a:schemeClr val="accent1"/>
-            </a:effectRef>
-            <a:fontRef idx="minor">
-              <a:schemeClr val="tx1"/>
-            </a:fontRef>
-          </p:style>
-        </p:cxnSp>
-        <p:cxnSp>
-          <p:nvCxnSpPr>
-            <p:cNvPr id="21" name="Straight Arrow Connector 20">
-              <a:extLst>
-                <a:ext uri="{FF2B5EF4-FFF2-40B4-BE49-F238E27FC236}">
-                  <a16:creationId xmlns:a16="http://schemas.microsoft.com/office/drawing/2014/main" id="{453EE2A4-3017-4D03-A445-C29F6711B2F3}"/>
-                </a:ext>
-              </a:extLst>
-            </p:cNvPr>
-            <p:cNvCxnSpPr>
-              <a:cxnSpLocks/>
-            </p:cNvCxnSpPr>
-            <p:nvPr/>
-          </p:nvCxnSpPr>
-          <p:spPr>
-            <a:xfrm>
-              <a:off x="4021585" y="6232125"/>
-              <a:ext cx="2083293" cy="0"/>
-            </a:xfrm>
-            <a:prstGeom prst="straightConnector1">
-              <a:avLst/>
-            </a:prstGeom>
-            <a:ln>
-              <a:solidFill>
-                <a:srgbClr val="FF0000"/>
-              </a:solidFill>
-              <a:tailEnd type="none"/>
-            </a:ln>
-          </p:spPr>
-          <p:style>
-            <a:lnRef idx="1">
-              <a:schemeClr val="accent1"/>
-            </a:lnRef>
-            <a:fillRef idx="0">
-              <a:schemeClr val="accent1"/>
-            </a:fillRef>
-            <a:effectRef idx="0">
-              <a:schemeClr val="accent1"/>
-            </a:effectRef>
-            <a:fontRef idx="minor">
-              <a:schemeClr val="tx1"/>
-            </a:fontRef>
-          </p:style>
-        </p:cxnSp>
-        <p:cxnSp>
-          <p:nvCxnSpPr>
-            <p:cNvPr id="22" name="Straight Arrow Connector 21">
-              <a:extLst>
-                <a:ext uri="{FF2B5EF4-FFF2-40B4-BE49-F238E27FC236}">
-                  <a16:creationId xmlns:a16="http://schemas.microsoft.com/office/drawing/2014/main" id="{98C0BE67-AB23-486C-ADC8-9F585C3C999B}"/>
-                </a:ext>
-              </a:extLst>
-            </p:cNvPr>
-            <p:cNvCxnSpPr>
-              <a:cxnSpLocks/>
-            </p:cNvCxnSpPr>
-            <p:nvPr/>
-          </p:nvCxnSpPr>
-          <p:spPr>
-            <a:xfrm flipV="1">
-              <a:off x="6104878" y="1790192"/>
-              <a:ext cx="0" cy="4441933"/>
-            </a:xfrm>
-            <a:prstGeom prst="straightConnector1">
-              <a:avLst/>
-            </a:prstGeom>
-            <a:ln>
-              <a:solidFill>
-                <a:srgbClr val="FF0000"/>
-              </a:solidFill>
-              <a:tailEnd type="none"/>
-            </a:ln>
-          </p:spPr>
-          <p:style>
-            <a:lnRef idx="1">
-              <a:schemeClr val="accent1"/>
-            </a:lnRef>
-            <a:fillRef idx="0">
-              <a:schemeClr val="accent1"/>
-            </a:fillRef>
-            <a:effectRef idx="0">
-              <a:schemeClr val="accent1"/>
-            </a:effectRef>
-            <a:fontRef idx="minor">
-              <a:schemeClr val="tx1"/>
-            </a:fontRef>
-          </p:style>
-        </p:cxnSp>
-      </p:grpSp>
-      <p:sp>
-        <p:nvSpPr>
-          <p:cNvPr id="23" name="Content Placeholder 2">
-            <a:extLst>
-              <a:ext uri="{FF2B5EF4-FFF2-40B4-BE49-F238E27FC236}">
-                <a16:creationId xmlns:a16="http://schemas.microsoft.com/office/drawing/2014/main" id="{F9F0B7CF-112F-4B21-879B-32AD2FCDF151}"/>
+                <a16:creationId xmlns:a16="http://schemas.microsoft.com/office/drawing/2014/main" id="{399DE044-2CAD-4725-9E93-7E0AFBCCE4AD}"/>
               </a:ext>
             </a:extLst>
           </p:cNvPr>
@@ -12586,8 +14307,8 @@
         </p:nvSpPr>
         <p:spPr>
           <a:xfrm>
-            <a:off x="5724417" y="3181560"/>
-            <a:ext cx="5174551" cy="959071"/>
+            <a:off x="6265044" y="2239310"/>
+            <a:ext cx="5706211" cy="3853073"/>
           </a:xfrm>
           <a:prstGeom prst="rect">
             <a:avLst/>
@@ -12763,13 +14484,54 @@
           </a:lstStyle>
           <a:p>
             <a:pPr marL="0" indent="0">
-              <a:buFont typeface="Arial" panose="020B0604020202020204" pitchFamily="34" charset="0"/>
               <a:buNone/>
             </a:pPr>
             <a:r>
               <a:rPr lang="en-GB" sz="1600" dirty="0"/>
-              <a:t>Here we encounter the same problem of the Fixed Effect model: the labour and land are not statistically significant which is also counter intuitive.</a:t>
+              <a:t>The variation of LABOR variable from the mean (grouped by FARM) is very close to zero in the entire dataset</a:t>
             </a:r>
+          </a:p>
+          <a:p>
+            <a:pPr marL="0" indent="0">
+              <a:buNone/>
+            </a:pPr>
+            <a:r>
+              <a:rPr lang="en-GB" sz="1600" dirty="0"/>
+              <a:t>This can be the cause for the coefficient of LABOR in the Fixed Effect model to be not statistically significant.</a:t>
+            </a:r>
+          </a:p>
+          <a:p>
+            <a:endParaRPr lang="en-GB" sz="1600" dirty="0"/>
+          </a:p>
+          <a:p>
+            <a:pPr marL="0" indent="0">
+              <a:buNone/>
+            </a:pPr>
+            <a:endParaRPr lang="en-GB" sz="1600" dirty="0"/>
+          </a:p>
+          <a:p>
+            <a:pPr marL="0" indent="0">
+              <a:buNone/>
+            </a:pPr>
+            <a:endParaRPr lang="en-GB" sz="1600" dirty="0"/>
+          </a:p>
+          <a:p>
+            <a:pPr marL="0" indent="0">
+              <a:buNone/>
+            </a:pPr>
+            <a:r>
+              <a:rPr lang="en-GB" sz="1600" dirty="0"/>
+              <a:t>LAND is less affected by this issue but still there are some farms (55 out of 247) with time-invariant LAND.</a:t>
+            </a:r>
+          </a:p>
+          <a:p>
+            <a:endParaRPr lang="en-GB" sz="1600" dirty="0"/>
+          </a:p>
+          <a:p>
+            <a:pPr marL="0" indent="0">
+              <a:buNone/>
+            </a:pPr>
+            <a:endParaRPr lang="en-GB" sz="1600" dirty="0"/>
           </a:p>
           <a:p>
             <a:pPr marL="0" indent="0">
@@ -12790,13 +14552,6 @@
               <a:buFont typeface="Arial" panose="020B0604020202020204" pitchFamily="34" charset="0"/>
               <a:buNone/>
             </a:pPr>
-            <a:endParaRPr lang="en-GB" sz="1600" dirty="0"/>
-          </a:p>
-          <a:p>
-            <a:pPr marL="0" indent="0">
-              <a:buFont typeface="Arial" panose="020B0604020202020204" pitchFamily="34" charset="0"/>
-              <a:buNone/>
-            </a:pPr>
             <a:endParaRPr lang="en-GB" sz="1600" b="1" u="sng" dirty="0"/>
           </a:p>
         </p:txBody>
@@ -12804,7 +14559,7 @@
     </p:spTree>
     <p:extLst>
       <p:ext uri="{BB962C8B-B14F-4D97-AF65-F5344CB8AC3E}">
-        <p14:creationId xmlns:p14="http://schemas.microsoft.com/office/powerpoint/2010/main" val="4280756743"/>
+        <p14:creationId xmlns:p14="http://schemas.microsoft.com/office/powerpoint/2010/main" val="1468106632"/>
       </p:ext>
     </p:extLst>
   </p:cSld>
